--- a/宣道詩/(宣道詩284)主由墳墓裡復活.pptx
+++ b/宣道詩/(宣道詩284)主由墳墓裡復活.pptx
@@ -5,12 +5,19 @@
     <p:sldMasterId id="2147483672" r:id="rId1"/>
   </p:sldMasterIdLst>
   <p:sldIdLst>
-    <p:sldId id="256" r:id="rId2"/>
-    <p:sldId id="257" r:id="rId3"/>
-    <p:sldId id="259" r:id="rId4"/>
-    <p:sldId id="265" r:id="rId5"/>
-    <p:sldId id="262" r:id="rId6"/>
-    <p:sldId id="266" r:id="rId7"/>
+    <p:sldId id="267" r:id="rId2"/>
+    <p:sldId id="268" r:id="rId3"/>
+    <p:sldId id="269" r:id="rId4"/>
+    <p:sldId id="270" r:id="rId5"/>
+    <p:sldId id="271" r:id="rId6"/>
+    <p:sldId id="272" r:id="rId7"/>
+    <p:sldId id="273" r:id="rId8"/>
+    <p:sldId id="274" r:id="rId9"/>
+    <p:sldId id="275" r:id="rId10"/>
+    <p:sldId id="276" r:id="rId11"/>
+    <p:sldId id="277" r:id="rId12"/>
+    <p:sldId id="278" r:id="rId13"/>
+    <p:sldId id="279" r:id="rId14"/>
   </p:sldIdLst>
   <p:sldSz cx="12192000" cy="6858000"/>
   <p:notesSz cx="6858000" cy="9144000"/>
@@ -309,7 +316,7 @@
           <a:p>
             <a:fld id="{39791B63-5384-4D93-BE21-63F47D41B8DE}" type="datetimeFigureOut">
               <a:rPr lang="zh-TW" altLang="en-US" smtClean="0"/>
-              <a:t>2020/4/10</a:t>
+              <a:t>2022/4/16</a:t>
             </a:fld>
             <a:endParaRPr lang="zh-TW" altLang="en-US"/>
           </a:p>
@@ -479,7 +486,7 @@
           <a:p>
             <a:fld id="{39791B63-5384-4D93-BE21-63F47D41B8DE}" type="datetimeFigureOut">
               <a:rPr lang="zh-TW" altLang="en-US" smtClean="0"/>
-              <a:t>2020/4/10</a:t>
+              <a:t>2022/4/16</a:t>
             </a:fld>
             <a:endParaRPr lang="zh-TW" altLang="en-US"/>
           </a:p>
@@ -659,7 +666,7 @@
           <a:p>
             <a:fld id="{39791B63-5384-4D93-BE21-63F47D41B8DE}" type="datetimeFigureOut">
               <a:rPr lang="zh-TW" altLang="en-US" smtClean="0"/>
-              <a:t>2020/4/10</a:t>
+              <a:t>2022/4/16</a:t>
             </a:fld>
             <a:endParaRPr lang="zh-TW" altLang="en-US"/>
           </a:p>
@@ -829,7 +836,7 @@
           <a:p>
             <a:fld id="{39791B63-5384-4D93-BE21-63F47D41B8DE}" type="datetimeFigureOut">
               <a:rPr lang="zh-TW" altLang="en-US" smtClean="0"/>
-              <a:t>2020/4/10</a:t>
+              <a:t>2022/4/16</a:t>
             </a:fld>
             <a:endParaRPr lang="zh-TW" altLang="en-US"/>
           </a:p>
@@ -1075,7 +1082,7 @@
           <a:p>
             <a:fld id="{39791B63-5384-4D93-BE21-63F47D41B8DE}" type="datetimeFigureOut">
               <a:rPr lang="zh-TW" altLang="en-US" smtClean="0"/>
-              <a:t>2020/4/10</a:t>
+              <a:t>2022/4/16</a:t>
             </a:fld>
             <a:endParaRPr lang="zh-TW" altLang="en-US"/>
           </a:p>
@@ -1363,7 +1370,7 @@
           <a:p>
             <a:fld id="{39791B63-5384-4D93-BE21-63F47D41B8DE}" type="datetimeFigureOut">
               <a:rPr lang="zh-TW" altLang="en-US" smtClean="0"/>
-              <a:t>2020/4/10</a:t>
+              <a:t>2022/4/16</a:t>
             </a:fld>
             <a:endParaRPr lang="zh-TW" altLang="en-US"/>
           </a:p>
@@ -1785,7 +1792,7 @@
           <a:p>
             <a:fld id="{39791B63-5384-4D93-BE21-63F47D41B8DE}" type="datetimeFigureOut">
               <a:rPr lang="zh-TW" altLang="en-US" smtClean="0"/>
-              <a:t>2020/4/10</a:t>
+              <a:t>2022/4/16</a:t>
             </a:fld>
             <a:endParaRPr lang="zh-TW" altLang="en-US"/>
           </a:p>
@@ -1903,7 +1910,7 @@
           <a:p>
             <a:fld id="{39791B63-5384-4D93-BE21-63F47D41B8DE}" type="datetimeFigureOut">
               <a:rPr lang="zh-TW" altLang="en-US" smtClean="0"/>
-              <a:t>2020/4/10</a:t>
+              <a:t>2022/4/16</a:t>
             </a:fld>
             <a:endParaRPr lang="zh-TW" altLang="en-US"/>
           </a:p>
@@ -1998,7 +2005,7 @@
           <a:p>
             <a:fld id="{39791B63-5384-4D93-BE21-63F47D41B8DE}" type="datetimeFigureOut">
               <a:rPr lang="zh-TW" altLang="en-US" smtClean="0"/>
-              <a:t>2020/4/10</a:t>
+              <a:t>2022/4/16</a:t>
             </a:fld>
             <a:endParaRPr lang="zh-TW" altLang="en-US"/>
           </a:p>
@@ -2275,7 +2282,7 @@
           <a:p>
             <a:fld id="{39791B63-5384-4D93-BE21-63F47D41B8DE}" type="datetimeFigureOut">
               <a:rPr lang="zh-TW" altLang="en-US" smtClean="0"/>
-              <a:t>2020/4/10</a:t>
+              <a:t>2022/4/16</a:t>
             </a:fld>
             <a:endParaRPr lang="zh-TW" altLang="en-US"/>
           </a:p>
@@ -2532,7 +2539,7 @@
           <a:p>
             <a:fld id="{39791B63-5384-4D93-BE21-63F47D41B8DE}" type="datetimeFigureOut">
               <a:rPr lang="zh-TW" altLang="en-US" smtClean="0"/>
-              <a:t>2020/4/10</a:t>
+              <a:t>2022/4/16</a:t>
             </a:fld>
             <a:endParaRPr lang="zh-TW" altLang="en-US"/>
           </a:p>
@@ -2750,7 +2757,7 @@
           <a:p>
             <a:fld id="{39791B63-5384-4D93-BE21-63F47D41B8DE}" type="datetimeFigureOut">
               <a:rPr lang="zh-TW" altLang="en-US" smtClean="0"/>
-              <a:t>2020/4/10</a:t>
+              <a:t>2022/4/16</a:t>
             </a:fld>
             <a:endParaRPr lang="zh-TW" altLang="en-US"/>
           </a:p>
@@ -3135,148 +3142,736 @@
             <p:ph type="title"/>
           </p:nvPr>
         </p:nvSpPr>
-        <p:spPr/>
+        <p:spPr>
+          <a:xfrm>
+            <a:off x="0" y="2660915"/>
+            <a:ext cx="12192000" cy="1143000"/>
+          </a:xfrm>
+        </p:spPr>
         <p:txBody>
           <a:bodyPr>
-            <a:normAutofit/>
+            <a:noAutofit/>
           </a:bodyPr>
           <a:lstStyle/>
           <a:p>
             <a:r>
-              <a:rPr lang="zh-TW" altLang="en-US" sz="4800" b="1" dirty="0">
-                <a:latin typeface="Microsoft JhengHei" panose="020B0604030504040204" pitchFamily="34" charset="-120"/>
-                <a:ea typeface="Microsoft JhengHei" panose="020B0604030504040204" pitchFamily="34" charset="-120"/>
-              </a:rPr>
-              <a:t>主由墳墓裡復活</a:t>
-            </a:r>
-          </a:p>
-        </p:txBody>
-      </p:sp>
-      <p:sp>
-        <p:nvSpPr>
-          <p:cNvPr id="5" name="內容版面配置區 4"/>
-          <p:cNvSpPr>
-            <a:spLocks noGrp="1"/>
-          </p:cNvSpPr>
-          <p:nvPr>
-            <p:ph idx="1"/>
-          </p:nvPr>
-        </p:nvSpPr>
-        <p:spPr/>
-        <p:txBody>
-          <a:bodyPr>
-            <a:normAutofit/>
-          </a:bodyPr>
-          <a:lstStyle/>
-          <a:p>
-            <a:pPr algn="ctr">
-              <a:buNone/>
-            </a:pPr>
-            <a:r>
-              <a:rPr lang="zh-TW" altLang="en-US" sz="5400" b="1" dirty="0">
-                <a:latin typeface="Microsoft JhengHei" panose="020B0604030504040204" pitchFamily="34" charset="-120"/>
-                <a:ea typeface="Microsoft JhengHei" panose="020B0604030504040204" pitchFamily="34" charset="-120"/>
-              </a:rPr>
-              <a:t>安睡在墳墓</a:t>
-            </a:r>
-            <a:r>
-              <a:rPr lang="zh-TW" altLang="en-US" sz="5400" b="1" dirty="0">
-                <a:latin typeface="Microsoft JhengHei" panose="020B0604030504040204" pitchFamily="34" charset="-120"/>
-                <a:ea typeface="Microsoft JhengHei" panose="020B0604030504040204" pitchFamily="34" charset="-120"/>
-              </a:rPr>
-              <a:t>裡</a:t>
-            </a:r>
-            <a:endParaRPr lang="en-US" altLang="zh-TW" sz="5400" b="1" dirty="0">
-              <a:latin typeface="Microsoft JhengHei" panose="020B0604030504040204" pitchFamily="34" charset="-120"/>
-              <a:ea typeface="Microsoft JhengHei" panose="020B0604030504040204" pitchFamily="34" charset="-120"/>
-            </a:endParaRPr>
-          </a:p>
-          <a:p>
-            <a:pPr algn="ctr">
-              <a:buNone/>
-            </a:pPr>
-            <a:r>
-              <a:rPr lang="zh-TW" altLang="en-US" sz="5400" b="1" dirty="0">
-                <a:latin typeface="Microsoft JhengHei" panose="020B0604030504040204" pitchFamily="34" charset="-120"/>
-                <a:ea typeface="Microsoft JhengHei" panose="020B0604030504040204" pitchFamily="34" charset="-120"/>
-              </a:rPr>
-              <a:t>耶穌</a:t>
-            </a:r>
-            <a:r>
-              <a:rPr lang="zh-TW" altLang="en-US" sz="5400" b="1" dirty="0">
-                <a:latin typeface="Microsoft JhengHei" panose="020B0604030504040204" pitchFamily="34" charset="-120"/>
-                <a:ea typeface="Microsoft JhengHei" panose="020B0604030504040204" pitchFamily="34" charset="-120"/>
-              </a:rPr>
-              <a:t>我</a:t>
-            </a:r>
-            <a:r>
-              <a:rPr lang="zh-TW" altLang="en-US" sz="5400" b="1" dirty="0">
-                <a:latin typeface="Microsoft JhengHei" panose="020B0604030504040204" pitchFamily="34" charset="-120"/>
-                <a:ea typeface="Microsoft JhengHei" panose="020B0604030504040204" pitchFamily="34" charset="-120"/>
-              </a:rPr>
-              <a:t>救主</a:t>
-            </a:r>
-            <a:endParaRPr lang="en-US" altLang="zh-TW" sz="5400" b="1" dirty="0">
-              <a:latin typeface="Microsoft JhengHei" panose="020B0604030504040204" pitchFamily="34" charset="-120"/>
-              <a:ea typeface="Microsoft JhengHei" panose="020B0604030504040204" pitchFamily="34" charset="-120"/>
-            </a:endParaRPr>
-          </a:p>
-          <a:p>
-            <a:pPr algn="ctr">
-              <a:buNone/>
-            </a:pPr>
-            <a:r>
-              <a:rPr lang="zh-TW" altLang="en-US" sz="5400" b="1" dirty="0">
-                <a:latin typeface="Microsoft JhengHei" panose="020B0604030504040204" pitchFamily="34" charset="-120"/>
-                <a:ea typeface="Microsoft JhengHei" panose="020B0604030504040204" pitchFamily="34" charset="-120"/>
-              </a:rPr>
-              <a:t>等待</a:t>
-            </a:r>
-            <a:r>
-              <a:rPr lang="zh-TW" altLang="en-US" sz="5400" b="1" dirty="0">
-                <a:latin typeface="Microsoft JhengHei" panose="020B0604030504040204" pitchFamily="34" charset="-120"/>
-                <a:ea typeface="Microsoft JhengHei" panose="020B0604030504040204" pitchFamily="34" charset="-120"/>
-              </a:rPr>
-              <a:t>那復活</a:t>
-            </a:r>
-            <a:r>
-              <a:rPr lang="zh-TW" altLang="en-US" sz="5400" b="1" dirty="0">
-                <a:latin typeface="Microsoft JhengHei" panose="020B0604030504040204" pitchFamily="34" charset="-120"/>
-                <a:ea typeface="Microsoft JhengHei" panose="020B0604030504040204" pitchFamily="34" charset="-120"/>
-              </a:rPr>
-              <a:t>日</a:t>
-            </a:r>
-            <a:endParaRPr lang="en-US" altLang="zh-TW" sz="5400" b="1" dirty="0">
-              <a:latin typeface="Microsoft JhengHei" panose="020B0604030504040204" pitchFamily="34" charset="-120"/>
-              <a:ea typeface="Microsoft JhengHei" panose="020B0604030504040204" pitchFamily="34" charset="-120"/>
-            </a:endParaRPr>
-          </a:p>
-          <a:p>
-            <a:pPr algn="ctr">
-              <a:buNone/>
-            </a:pPr>
-            <a:r>
-              <a:rPr lang="zh-TW" altLang="en-US" sz="5400" b="1" dirty="0">
-                <a:latin typeface="Microsoft JhengHei" panose="020B0604030504040204" pitchFamily="34" charset="-120"/>
-                <a:ea typeface="Microsoft JhengHei" panose="020B0604030504040204" pitchFamily="34" charset="-120"/>
-              </a:rPr>
-              <a:t>耶穌</a:t>
-            </a:r>
-            <a:r>
-              <a:rPr lang="zh-TW" altLang="en-US" sz="5400" b="1" dirty="0">
-                <a:latin typeface="Microsoft JhengHei" panose="020B0604030504040204" pitchFamily="34" charset="-120"/>
-                <a:ea typeface="Microsoft JhengHei" panose="020B0604030504040204" pitchFamily="34" charset="-120"/>
-              </a:rPr>
-              <a:t>我主</a:t>
+              <a:rPr lang="zh-CN" altLang="en-US" sz="5333" b="1" u="sng" dirty="0">
+                <a:solidFill>
+                  <a:srgbClr val="000066"/>
+                </a:solidFill>
+                <a:effectLst>
+                  <a:outerShdw blurRad="38100" dist="38100" dir="2700000" algn="tl">
+                    <a:srgbClr val="000000">
+                      <a:alpha val="43137"/>
+                    </a:srgbClr>
+                  </a:outerShdw>
+                </a:effectLst>
+                <a:latin typeface="微軟正黑體" pitchFamily="34" charset="-120"/>
+                <a:ea typeface="微軟正黑體" pitchFamily="34" charset="-120"/>
+              </a:rPr>
+              <a:t>宣道詩 </a:t>
+            </a:r>
+            <a:r>
+              <a:rPr lang="en-US" altLang="zh-CN" sz="5333" b="1" u="sng" dirty="0" smtClean="0">
+                <a:solidFill>
+                  <a:srgbClr val="000066"/>
+                </a:solidFill>
+                <a:effectLst>
+                  <a:outerShdw blurRad="38100" dist="38100" dir="2700000" algn="tl">
+                    <a:srgbClr val="000000">
+                      <a:alpha val="43137"/>
+                    </a:srgbClr>
+                  </a:outerShdw>
+                </a:effectLst>
+                <a:latin typeface="微軟正黑體" pitchFamily="34" charset="-120"/>
+                <a:ea typeface="微軟正黑體" pitchFamily="34" charset="-120"/>
+              </a:rPr>
+              <a:t>284</a:t>
+            </a:r>
+            <a:r>
+              <a:rPr lang="en-US" altLang="zh-CN" sz="7200" b="1" i="1" dirty="0">
+                <a:solidFill>
+                  <a:srgbClr val="660033"/>
+                </a:solidFill>
+                <a:effectLst>
+                  <a:outerShdw blurRad="38100" dist="38100" dir="2700000" algn="tl">
+                    <a:srgbClr val="000000">
+                      <a:alpha val="43137"/>
+                    </a:srgbClr>
+                  </a:outerShdw>
+                </a:effectLst>
+                <a:latin typeface="微軟正黑體" pitchFamily="34" charset="-120"/>
+                <a:ea typeface="微軟正黑體" pitchFamily="34" charset="-120"/>
+              </a:rPr>
+              <a:t/>
+            </a:r>
+            <a:br>
+              <a:rPr lang="en-US" altLang="zh-CN" sz="7200" b="1" i="1" dirty="0">
+                <a:solidFill>
+                  <a:srgbClr val="660033"/>
+                </a:solidFill>
+                <a:effectLst>
+                  <a:outerShdw blurRad="38100" dist="38100" dir="2700000" algn="tl">
+                    <a:srgbClr val="000000">
+                      <a:alpha val="43137"/>
+                    </a:srgbClr>
+                  </a:outerShdw>
+                </a:effectLst>
+                <a:latin typeface="微軟正黑體" pitchFamily="34" charset="-120"/>
+                <a:ea typeface="微軟正黑體" pitchFamily="34" charset="-120"/>
+              </a:rPr>
+            </a:br>
+            <a:r>
+              <a:rPr lang="zh-TW" altLang="en-US" sz="8000" b="1" dirty="0" smtClean="0">
+                <a:solidFill>
+                  <a:srgbClr val="660033"/>
+                </a:solidFill>
+                <a:effectLst>
+                  <a:outerShdw blurRad="38100" dist="38100" dir="2700000" algn="tl">
+                    <a:srgbClr val="000000">
+                      <a:alpha val="43137"/>
+                    </a:srgbClr>
+                  </a:outerShdw>
+                </a:effectLst>
+                <a:latin typeface="微軟正黑體" pitchFamily="34" charset="-120"/>
+                <a:ea typeface="微軟正黑體" pitchFamily="34" charset="-120"/>
+              </a:rPr>
+              <a:t>主</a:t>
+            </a:r>
+            <a:r>
+              <a:rPr lang="zh-TW" altLang="en-US" sz="8000" b="1" dirty="0">
+                <a:solidFill>
+                  <a:srgbClr val="660033"/>
+                </a:solidFill>
+                <a:effectLst>
+                  <a:outerShdw blurRad="38100" dist="38100" dir="2700000" algn="tl">
+                    <a:srgbClr val="000000">
+                      <a:alpha val="43137"/>
+                    </a:srgbClr>
+                  </a:outerShdw>
+                </a:effectLst>
+                <a:latin typeface="微軟正黑體" pitchFamily="34" charset="-120"/>
+                <a:ea typeface="微軟正黑體" pitchFamily="34" charset="-120"/>
+              </a:rPr>
+              <a:t>由墳墓裡復活</a:t>
             </a:r>
           </a:p>
         </p:txBody>
       </p:sp>
     </p:spTree>
+    <p:extLst>
+      <p:ext uri="{BB962C8B-B14F-4D97-AF65-F5344CB8AC3E}">
+        <p14:creationId xmlns:p14="http://schemas.microsoft.com/office/powerpoint/2010/main" val="1490841970"/>
+      </p:ext>
+    </p:extLst>
   </p:cSld>
   <p:clrMapOvr>
     <a:masterClrMapping/>
   </p:clrMapOvr>
+  <p:timing>
+    <p:tnLst>
+      <p:par>
+        <p:cTn id="1" dur="indefinite" restart="never" nodeType="tmRoot"/>
+      </p:par>
+    </p:tnLst>
+  </p:timing>
+</p:sld>
+</file>
+
+<file path=ppt/slides/slide10.xml><?xml version="1.0" encoding="utf-8"?>
+<p:sld xmlns:a="http://schemas.openxmlformats.org/drawingml/2006/main" xmlns:r="http://schemas.openxmlformats.org/officeDocument/2006/relationships" xmlns:p="http://schemas.openxmlformats.org/presentationml/2006/main">
+  <p:cSld>
+    <p:spTree>
+      <p:nvGrpSpPr>
+        <p:cNvPr id="1" name=""/>
+        <p:cNvGrpSpPr/>
+        <p:nvPr/>
+      </p:nvGrpSpPr>
+      <p:grpSpPr>
+        <a:xfrm>
+          <a:off x="0" y="0"/>
+          <a:ext cx="0" cy="0"/>
+          <a:chOff x="0" y="0"/>
+          <a:chExt cx="0" cy="0"/>
+        </a:xfrm>
+      </p:grpSpPr>
+      <p:sp>
+        <p:nvSpPr>
+          <p:cNvPr id="5" name="內容版面配置區 4"/>
+          <p:cNvSpPr>
+            <a:spLocks noGrp="1"/>
+          </p:cNvSpPr>
+          <p:nvPr>
+            <p:ph idx="1"/>
+          </p:nvPr>
+        </p:nvSpPr>
+        <p:spPr>
+          <a:xfrm>
+            <a:off x="0" y="2084851"/>
+            <a:ext cx="12192000" cy="2404863"/>
+          </a:xfrm>
+        </p:spPr>
+        <p:txBody>
+          <a:bodyPr anchor="ctr">
+            <a:normAutofit/>
+          </a:bodyPr>
+          <a:lstStyle/>
+          <a:p>
+            <a:pPr algn="ctr">
+              <a:buNone/>
+            </a:pPr>
+            <a:r>
+              <a:rPr lang="zh-TW" altLang="en-US" sz="6400" b="1" dirty="0">
+                <a:solidFill>
+                  <a:srgbClr val="660033"/>
+                </a:solidFill>
+                <a:latin typeface="Microsoft JhengHei" panose="020B0604030504040204" pitchFamily="34" charset="-120"/>
+                <a:ea typeface="Microsoft JhengHei" panose="020B0604030504040204" pitchFamily="34" charset="-120"/>
+              </a:rPr>
+              <a:t>死權不能捆</a:t>
+            </a:r>
+            <a:r>
+              <a:rPr lang="zh-TW" altLang="en-US" sz="6400" b="1" dirty="0">
+                <a:solidFill>
+                  <a:srgbClr val="660033"/>
+                </a:solidFill>
+                <a:latin typeface="Microsoft JhengHei" panose="020B0604030504040204" pitchFamily="34" charset="-120"/>
+                <a:ea typeface="Microsoft JhengHei" panose="020B0604030504040204" pitchFamily="34" charset="-120"/>
+              </a:rPr>
+              <a:t>主</a:t>
+            </a:r>
+            <a:r>
+              <a:rPr lang="en-US" altLang="zh-TW" sz="6400" b="1" dirty="0">
+                <a:solidFill>
+                  <a:srgbClr val="660033"/>
+                </a:solidFill>
+                <a:latin typeface="Microsoft JhengHei" panose="020B0604030504040204" pitchFamily="34" charset="-120"/>
+                <a:ea typeface="Microsoft JhengHei" panose="020B0604030504040204" pitchFamily="34" charset="-120"/>
+              </a:rPr>
+              <a:t>   </a:t>
+            </a:r>
+            <a:r>
+              <a:rPr lang="zh-TW" altLang="en-US" sz="6400" b="1" dirty="0">
+                <a:solidFill>
+                  <a:srgbClr val="660033"/>
+                </a:solidFill>
+                <a:latin typeface="Microsoft JhengHei" panose="020B0604030504040204" pitchFamily="34" charset="-120"/>
+                <a:ea typeface="Microsoft JhengHei" panose="020B0604030504040204" pitchFamily="34" charset="-120"/>
+              </a:rPr>
+              <a:t>耶</a:t>
+            </a:r>
+            <a:r>
+              <a:rPr lang="zh-TW" altLang="en-US" sz="6400" b="1" dirty="0">
+                <a:solidFill>
+                  <a:srgbClr val="660033"/>
+                </a:solidFill>
+                <a:latin typeface="Microsoft JhengHei" panose="020B0604030504040204" pitchFamily="34" charset="-120"/>
+                <a:ea typeface="Microsoft JhengHei" panose="020B0604030504040204" pitchFamily="34" charset="-120"/>
+              </a:rPr>
+              <a:t>穌我救主</a:t>
+            </a:r>
+            <a:endParaRPr lang="en-US" altLang="zh-TW" sz="6400" b="1" dirty="0">
+              <a:solidFill>
+                <a:srgbClr val="660033"/>
+              </a:solidFill>
+              <a:latin typeface="Microsoft JhengHei" panose="020B0604030504040204" pitchFamily="34" charset="-120"/>
+              <a:ea typeface="Microsoft JhengHei" panose="020B0604030504040204" pitchFamily="34" charset="-120"/>
+            </a:endParaRPr>
+          </a:p>
+          <a:p>
+            <a:pPr algn="ctr">
+              <a:buNone/>
+            </a:pPr>
+            <a:r>
+              <a:rPr lang="zh-TW" altLang="en-US" sz="6400" b="1" dirty="0">
+                <a:solidFill>
+                  <a:srgbClr val="660033"/>
+                </a:solidFill>
+                <a:latin typeface="Microsoft JhengHei" panose="020B0604030504040204" pitchFamily="34" charset="-120"/>
+                <a:ea typeface="Microsoft JhengHei" panose="020B0604030504040204" pitchFamily="34" charset="-120"/>
+              </a:rPr>
+              <a:t>破壞地獄牢</a:t>
+            </a:r>
+            <a:r>
+              <a:rPr lang="zh-TW" altLang="en-US" sz="6400" b="1" dirty="0">
+                <a:solidFill>
+                  <a:srgbClr val="660033"/>
+                </a:solidFill>
+                <a:latin typeface="Microsoft JhengHei" panose="020B0604030504040204" pitchFamily="34" charset="-120"/>
+                <a:ea typeface="Microsoft JhengHei" panose="020B0604030504040204" pitchFamily="34" charset="-120"/>
+              </a:rPr>
+              <a:t>困</a:t>
+            </a:r>
+            <a:r>
+              <a:rPr lang="en-US" altLang="zh-TW" sz="6400" b="1" dirty="0">
+                <a:solidFill>
+                  <a:srgbClr val="660033"/>
+                </a:solidFill>
+                <a:latin typeface="Microsoft JhengHei" panose="020B0604030504040204" pitchFamily="34" charset="-120"/>
+                <a:ea typeface="Microsoft JhengHei" panose="020B0604030504040204" pitchFamily="34" charset="-120"/>
+              </a:rPr>
+              <a:t>   </a:t>
+            </a:r>
+            <a:r>
+              <a:rPr lang="zh-TW" altLang="en-US" sz="6400" b="1" dirty="0">
+                <a:solidFill>
+                  <a:srgbClr val="660033"/>
+                </a:solidFill>
+                <a:latin typeface="Microsoft JhengHei" panose="020B0604030504040204" pitchFamily="34" charset="-120"/>
+                <a:ea typeface="Microsoft JhengHei" panose="020B0604030504040204" pitchFamily="34" charset="-120"/>
+              </a:rPr>
+              <a:t>耶</a:t>
+            </a:r>
+            <a:r>
+              <a:rPr lang="zh-TW" altLang="en-US" sz="6400" b="1" dirty="0">
+                <a:solidFill>
+                  <a:srgbClr val="660033"/>
+                </a:solidFill>
+                <a:latin typeface="Microsoft JhengHei" panose="020B0604030504040204" pitchFamily="34" charset="-120"/>
+                <a:ea typeface="Microsoft JhengHei" panose="020B0604030504040204" pitchFamily="34" charset="-120"/>
+              </a:rPr>
+              <a:t>穌我主</a:t>
+            </a:r>
+          </a:p>
+        </p:txBody>
+      </p:sp>
+      <p:sp>
+        <p:nvSpPr>
+          <p:cNvPr id="3" name="TextBox 2"/>
+          <p:cNvSpPr txBox="1"/>
+          <p:nvPr/>
+        </p:nvSpPr>
+        <p:spPr>
+          <a:xfrm>
+            <a:off x="0" y="5061182"/>
+            <a:ext cx="12192000" cy="830997"/>
+          </a:xfrm>
+          <a:prstGeom prst="rect">
+            <a:avLst/>
+          </a:prstGeom>
+          <a:noFill/>
+        </p:spPr>
+        <p:txBody>
+          <a:bodyPr wrap="square" rtlCol="0">
+            <a:spAutoFit/>
+          </a:bodyPr>
+          <a:lstStyle/>
+          <a:p>
+            <a:pPr algn="ctr"/>
+            <a:r>
+              <a:rPr lang="en-US" sz="4800" b="1" dirty="0">
+                <a:solidFill>
+                  <a:srgbClr val="660033"/>
+                </a:solidFill>
+              </a:rPr>
+              <a:t>( </a:t>
+            </a:r>
+            <a:r>
+              <a:rPr lang="en-US" sz="4800" b="1" dirty="0" smtClean="0">
+                <a:solidFill>
+                  <a:srgbClr val="660033"/>
+                </a:solidFill>
+              </a:rPr>
+              <a:t>3 </a:t>
+            </a:r>
+            <a:r>
+              <a:rPr lang="en-US" sz="4800" b="1" dirty="0">
+                <a:solidFill>
+                  <a:srgbClr val="660033"/>
+                </a:solidFill>
+              </a:rPr>
+              <a:t>)</a:t>
+            </a:r>
+            <a:endParaRPr lang="vi-VN" sz="4800" b="1" dirty="0">
+              <a:solidFill>
+                <a:srgbClr val="660033"/>
+              </a:solidFill>
+            </a:endParaRPr>
+          </a:p>
+        </p:txBody>
+      </p:sp>
+    </p:spTree>
+    <p:extLst>
+      <p:ext uri="{BB962C8B-B14F-4D97-AF65-F5344CB8AC3E}">
+        <p14:creationId xmlns:p14="http://schemas.microsoft.com/office/powerpoint/2010/main" val="3563524162"/>
+      </p:ext>
+    </p:extLst>
+  </p:cSld>
+  <p:clrMapOvr>
+    <a:masterClrMapping/>
+  </p:clrMapOvr>
+  <p:timing>
+    <p:tnLst>
+      <p:par>
+        <p:cTn id="1" dur="indefinite" restart="never" nodeType="tmRoot"/>
+      </p:par>
+    </p:tnLst>
+  </p:timing>
+</p:sld>
+</file>
+
+<file path=ppt/slides/slide11.xml><?xml version="1.0" encoding="utf-8"?>
+<p:sld xmlns:a="http://schemas.openxmlformats.org/drawingml/2006/main" xmlns:r="http://schemas.openxmlformats.org/officeDocument/2006/relationships" xmlns:p="http://schemas.openxmlformats.org/presentationml/2006/main">
+  <p:cSld>
+    <p:spTree>
+      <p:nvGrpSpPr>
+        <p:cNvPr id="1" name=""/>
+        <p:cNvGrpSpPr/>
+        <p:nvPr/>
+      </p:nvGrpSpPr>
+      <p:grpSpPr>
+        <a:xfrm>
+          <a:off x="0" y="0"/>
+          <a:ext cx="0" cy="0"/>
+          <a:chOff x="0" y="0"/>
+          <a:chExt cx="0" cy="0"/>
+        </a:xfrm>
+      </p:grpSpPr>
+      <p:sp>
+        <p:nvSpPr>
+          <p:cNvPr id="5" name="內容版面配置區 4"/>
+          <p:cNvSpPr>
+            <a:spLocks noGrp="1"/>
+          </p:cNvSpPr>
+          <p:nvPr>
+            <p:ph idx="1"/>
+          </p:nvPr>
+        </p:nvSpPr>
+        <p:spPr>
+          <a:xfrm>
+            <a:off x="0" y="2084851"/>
+            <a:ext cx="12192000" cy="2404863"/>
+          </a:xfrm>
+        </p:spPr>
+        <p:txBody>
+          <a:bodyPr anchor="ctr">
+            <a:normAutofit/>
+          </a:bodyPr>
+          <a:lstStyle/>
+          <a:p>
+            <a:pPr algn="ctr">
+              <a:buNone/>
+            </a:pPr>
+            <a:r>
+              <a:rPr lang="zh-TW" altLang="en-US" sz="6400" b="1" dirty="0">
+                <a:solidFill>
+                  <a:srgbClr val="660033"/>
+                </a:solidFill>
+                <a:latin typeface="Microsoft JhengHei" panose="020B0604030504040204" pitchFamily="34" charset="-120"/>
+                <a:ea typeface="Microsoft JhengHei" panose="020B0604030504040204" pitchFamily="34" charset="-120"/>
+              </a:rPr>
+              <a:t>主由墳墓裡復活</a:t>
+            </a:r>
+            <a:endParaRPr lang="en-US" altLang="zh-TW" sz="6400" b="1" dirty="0">
+              <a:solidFill>
+                <a:srgbClr val="660033"/>
+              </a:solidFill>
+              <a:latin typeface="Microsoft JhengHei" panose="020B0604030504040204" pitchFamily="34" charset="-120"/>
+              <a:ea typeface="Microsoft JhengHei" panose="020B0604030504040204" pitchFamily="34" charset="-120"/>
+            </a:endParaRPr>
+          </a:p>
+          <a:p>
+            <a:pPr algn="ctr">
+              <a:buNone/>
+            </a:pPr>
+            <a:r>
+              <a:rPr lang="zh-TW" altLang="en-US" sz="6400" b="1" dirty="0">
+                <a:solidFill>
+                  <a:srgbClr val="660033"/>
+                </a:solidFill>
+                <a:latin typeface="Microsoft JhengHei" panose="020B0604030504040204" pitchFamily="34" charset="-120"/>
+                <a:ea typeface="Microsoft JhengHei" panose="020B0604030504040204" pitchFamily="34" charset="-120"/>
+              </a:rPr>
+              <a:t>一切仇敵罪惡全勝過</a:t>
+            </a:r>
+            <a:endParaRPr lang="en-US" altLang="zh-TW" sz="6400" b="1" dirty="0">
+              <a:solidFill>
+                <a:srgbClr val="660033"/>
+              </a:solidFill>
+              <a:latin typeface="Microsoft JhengHei" panose="020B0604030504040204" pitchFamily="34" charset="-120"/>
+              <a:ea typeface="Microsoft JhengHei" panose="020B0604030504040204" pitchFamily="34" charset="-120"/>
+            </a:endParaRPr>
+          </a:p>
+        </p:txBody>
+      </p:sp>
+    </p:spTree>
+    <p:extLst>
+      <p:ext uri="{BB962C8B-B14F-4D97-AF65-F5344CB8AC3E}">
+        <p14:creationId xmlns:p14="http://schemas.microsoft.com/office/powerpoint/2010/main" val="2440552279"/>
+      </p:ext>
+    </p:extLst>
+  </p:cSld>
+  <p:clrMapOvr>
+    <a:masterClrMapping/>
+  </p:clrMapOvr>
+  <p:timing>
+    <p:tnLst>
+      <p:par>
+        <p:cTn id="1" dur="indefinite" restart="never" nodeType="tmRoot"/>
+      </p:par>
+    </p:tnLst>
+  </p:timing>
+</p:sld>
+</file>
+
+<file path=ppt/slides/slide12.xml><?xml version="1.0" encoding="utf-8"?>
+<p:sld xmlns:a="http://schemas.openxmlformats.org/drawingml/2006/main" xmlns:r="http://schemas.openxmlformats.org/officeDocument/2006/relationships" xmlns:p="http://schemas.openxmlformats.org/presentationml/2006/main">
+  <p:cSld>
+    <p:spTree>
+      <p:nvGrpSpPr>
+        <p:cNvPr id="1" name=""/>
+        <p:cNvGrpSpPr/>
+        <p:nvPr/>
+      </p:nvGrpSpPr>
+      <p:grpSpPr>
+        <a:xfrm>
+          <a:off x="0" y="0"/>
+          <a:ext cx="0" cy="0"/>
+          <a:chOff x="0" y="0"/>
+          <a:chExt cx="0" cy="0"/>
+        </a:xfrm>
+      </p:grpSpPr>
+      <p:sp>
+        <p:nvSpPr>
+          <p:cNvPr id="5" name="內容版面配置區 4"/>
+          <p:cNvSpPr>
+            <a:spLocks noGrp="1"/>
+          </p:cNvSpPr>
+          <p:nvPr>
+            <p:ph idx="1"/>
+          </p:nvPr>
+        </p:nvSpPr>
+        <p:spPr>
+          <a:xfrm>
+            <a:off x="0" y="2084851"/>
+            <a:ext cx="12192000" cy="2404863"/>
+          </a:xfrm>
+        </p:spPr>
+        <p:txBody>
+          <a:bodyPr anchor="ctr">
+            <a:normAutofit/>
+          </a:bodyPr>
+          <a:lstStyle/>
+          <a:p>
+            <a:pPr algn="ctr">
+              <a:buNone/>
+            </a:pPr>
+            <a:r>
+              <a:rPr lang="zh-TW" altLang="en-US" sz="6400" b="1" dirty="0">
+                <a:solidFill>
+                  <a:srgbClr val="660033"/>
+                </a:solidFill>
+                <a:latin typeface="Microsoft JhengHei" panose="020B0604030504040204" pitchFamily="34" charset="-120"/>
+                <a:ea typeface="Microsoft JhengHei" panose="020B0604030504040204" pitchFamily="34" charset="-120"/>
+              </a:rPr>
+              <a:t>主耶穌復活</a:t>
+            </a:r>
+            <a:r>
+              <a:rPr lang="en-US" altLang="zh-TW" sz="6400" b="1" dirty="0">
+                <a:solidFill>
+                  <a:srgbClr val="660033"/>
+                </a:solidFill>
+                <a:latin typeface="Microsoft JhengHei" panose="020B0604030504040204" pitchFamily="34" charset="-120"/>
+                <a:ea typeface="Microsoft JhengHei" panose="020B0604030504040204" pitchFamily="34" charset="-120"/>
+              </a:rPr>
+              <a:t>  </a:t>
+            </a:r>
+            <a:r>
+              <a:rPr lang="en-US" altLang="zh-TW" sz="6400" b="1" dirty="0">
+                <a:solidFill>
+                  <a:srgbClr val="660033"/>
+                </a:solidFill>
+                <a:latin typeface="Microsoft JhengHei" panose="020B0604030504040204" pitchFamily="34" charset="-120"/>
+                <a:ea typeface="Microsoft JhengHei" panose="020B0604030504040204" pitchFamily="34" charset="-120"/>
+              </a:rPr>
+              <a:t> </a:t>
+            </a:r>
+            <a:r>
+              <a:rPr lang="zh-TW" altLang="en-US" sz="6400" b="1" dirty="0">
+                <a:solidFill>
+                  <a:srgbClr val="660033"/>
+                </a:solidFill>
+                <a:latin typeface="Microsoft JhengHei" panose="020B0604030504040204" pitchFamily="34" charset="-120"/>
+                <a:ea typeface="Microsoft JhengHei" panose="020B0604030504040204" pitchFamily="34" charset="-120"/>
+              </a:rPr>
+              <a:t>勝</a:t>
+            </a:r>
+            <a:r>
+              <a:rPr lang="zh-TW" altLang="en-US" sz="6400" b="1" dirty="0">
+                <a:solidFill>
+                  <a:srgbClr val="660033"/>
+                </a:solidFill>
+                <a:latin typeface="Microsoft JhengHei" panose="020B0604030504040204" pitchFamily="34" charset="-120"/>
+                <a:ea typeface="Microsoft JhengHei" panose="020B0604030504040204" pitchFamily="34" charset="-120"/>
+              </a:rPr>
+              <a:t>過黑暗惡魔</a:t>
+            </a:r>
+            <a:endParaRPr lang="en-US" altLang="zh-TW" sz="6400" b="1" dirty="0">
+              <a:solidFill>
+                <a:srgbClr val="660033"/>
+              </a:solidFill>
+              <a:latin typeface="Microsoft JhengHei" panose="020B0604030504040204" pitchFamily="34" charset="-120"/>
+              <a:ea typeface="Microsoft JhengHei" panose="020B0604030504040204" pitchFamily="34" charset="-120"/>
+            </a:endParaRPr>
+          </a:p>
+          <a:p>
+            <a:pPr algn="ctr">
+              <a:buNone/>
+            </a:pPr>
+            <a:r>
+              <a:rPr lang="zh-TW" altLang="en-US" sz="6400" b="1" dirty="0">
+                <a:solidFill>
+                  <a:srgbClr val="660033"/>
+                </a:solidFill>
+                <a:latin typeface="Microsoft JhengHei" panose="020B0604030504040204" pitchFamily="34" charset="-120"/>
+                <a:ea typeface="Microsoft JhengHei" panose="020B0604030504040204" pitchFamily="34" charset="-120"/>
+              </a:rPr>
+              <a:t>從此永與聖徒掌權在天國</a:t>
+            </a:r>
+            <a:endParaRPr lang="en-US" altLang="zh-TW" sz="6400" b="1" dirty="0">
+              <a:solidFill>
+                <a:srgbClr val="660033"/>
+              </a:solidFill>
+              <a:latin typeface="Microsoft JhengHei" panose="020B0604030504040204" pitchFamily="34" charset="-120"/>
+              <a:ea typeface="Microsoft JhengHei" panose="020B0604030504040204" pitchFamily="34" charset="-120"/>
+            </a:endParaRPr>
+          </a:p>
+        </p:txBody>
+      </p:sp>
+    </p:spTree>
+    <p:extLst>
+      <p:ext uri="{BB962C8B-B14F-4D97-AF65-F5344CB8AC3E}">
+        <p14:creationId xmlns:p14="http://schemas.microsoft.com/office/powerpoint/2010/main" val="1615071547"/>
+      </p:ext>
+    </p:extLst>
+  </p:cSld>
+  <p:clrMapOvr>
+    <a:masterClrMapping/>
+  </p:clrMapOvr>
+  <p:timing>
+    <p:tnLst>
+      <p:par>
+        <p:cTn id="1" dur="indefinite" restart="never" nodeType="tmRoot"/>
+      </p:par>
+    </p:tnLst>
+  </p:timing>
+</p:sld>
+</file>
+
+<file path=ppt/slides/slide13.xml><?xml version="1.0" encoding="utf-8"?>
+<p:sld xmlns:a="http://schemas.openxmlformats.org/drawingml/2006/main" xmlns:r="http://schemas.openxmlformats.org/officeDocument/2006/relationships" xmlns:p="http://schemas.openxmlformats.org/presentationml/2006/main">
+  <p:cSld>
+    <p:spTree>
+      <p:nvGrpSpPr>
+        <p:cNvPr id="1" name=""/>
+        <p:cNvGrpSpPr/>
+        <p:nvPr/>
+      </p:nvGrpSpPr>
+      <p:grpSpPr>
+        <a:xfrm>
+          <a:off x="0" y="0"/>
+          <a:ext cx="0" cy="0"/>
+          <a:chOff x="0" y="0"/>
+          <a:chExt cx="0" cy="0"/>
+        </a:xfrm>
+      </p:grpSpPr>
+      <p:sp>
+        <p:nvSpPr>
+          <p:cNvPr id="5" name="內容版面配置區 4"/>
+          <p:cNvSpPr>
+            <a:spLocks noGrp="1"/>
+          </p:cNvSpPr>
+          <p:nvPr>
+            <p:ph idx="1"/>
+          </p:nvPr>
+        </p:nvSpPr>
+        <p:spPr>
+          <a:xfrm>
+            <a:off x="0" y="2084851"/>
+            <a:ext cx="12192000" cy="2404863"/>
+          </a:xfrm>
+        </p:spPr>
+        <p:txBody>
+          <a:bodyPr anchor="ctr">
+            <a:normAutofit/>
+          </a:bodyPr>
+          <a:lstStyle/>
+          <a:p>
+            <a:pPr algn="ctr">
+              <a:buNone/>
+            </a:pPr>
+            <a:r>
+              <a:rPr lang="zh-TW" altLang="en-US" sz="6400" b="1" dirty="0">
+                <a:solidFill>
+                  <a:srgbClr val="660033"/>
+                </a:solidFill>
+                <a:latin typeface="Microsoft JhengHei" panose="020B0604030504040204" pitchFamily="34" charset="-120"/>
+                <a:ea typeface="Microsoft JhengHei" panose="020B0604030504040204" pitchFamily="34" charset="-120"/>
+              </a:rPr>
+              <a:t>主復活  主復</a:t>
+            </a:r>
+            <a:r>
+              <a:rPr lang="zh-TW" altLang="en-US" sz="6400" b="1" dirty="0">
+                <a:solidFill>
+                  <a:srgbClr val="660033"/>
+                </a:solidFill>
+                <a:latin typeface="Microsoft JhengHei" panose="020B0604030504040204" pitchFamily="34" charset="-120"/>
+                <a:ea typeface="Microsoft JhengHei" panose="020B0604030504040204" pitchFamily="34" charset="-120"/>
+              </a:rPr>
+              <a:t>活</a:t>
+            </a:r>
+            <a:endParaRPr lang="en-US" altLang="zh-TW" sz="6400" b="1" dirty="0">
+              <a:solidFill>
+                <a:srgbClr val="660033"/>
+              </a:solidFill>
+              <a:latin typeface="Microsoft JhengHei" panose="020B0604030504040204" pitchFamily="34" charset="-120"/>
+              <a:ea typeface="Microsoft JhengHei" panose="020B0604030504040204" pitchFamily="34" charset="-120"/>
+            </a:endParaRPr>
+          </a:p>
+          <a:p>
+            <a:pPr algn="ctr">
+              <a:buNone/>
+            </a:pPr>
+            <a:r>
+              <a:rPr lang="zh-TW" altLang="en-US" sz="6400" b="1" dirty="0">
+                <a:solidFill>
+                  <a:srgbClr val="660033"/>
+                </a:solidFill>
+                <a:latin typeface="Microsoft JhengHei" panose="020B0604030504040204" pitchFamily="34" charset="-120"/>
+                <a:ea typeface="Microsoft JhengHei" panose="020B0604030504040204" pitchFamily="34" charset="-120"/>
+              </a:rPr>
+              <a:t>哈</a:t>
+            </a:r>
+            <a:r>
+              <a:rPr lang="zh-TW" altLang="en-US" sz="6400" b="1" dirty="0">
+                <a:solidFill>
+                  <a:srgbClr val="660033"/>
+                </a:solidFill>
+                <a:latin typeface="Microsoft JhengHei" panose="020B0604030504040204" pitchFamily="34" charset="-120"/>
+                <a:ea typeface="Microsoft JhengHei" panose="020B0604030504040204" pitchFamily="34" charset="-120"/>
+              </a:rPr>
+              <a:t>利路亞  主復活</a:t>
+            </a:r>
+          </a:p>
+        </p:txBody>
+      </p:sp>
+    </p:spTree>
+    <p:extLst>
+      <p:ext uri="{BB962C8B-B14F-4D97-AF65-F5344CB8AC3E}">
+        <p14:creationId xmlns:p14="http://schemas.microsoft.com/office/powerpoint/2010/main" val="2767763607"/>
+      </p:ext>
+    </p:extLst>
+  </p:cSld>
+  <p:clrMapOvr>
+    <a:masterClrMapping/>
+  </p:clrMapOvr>
+  <p:timing>
+    <p:tnLst>
+      <p:par>
+        <p:cTn id="1" dur="indefinite" restart="never" nodeType="tmRoot"/>
+      </p:par>
+    </p:tnLst>
+  </p:timing>
 </p:sld>
 </file>
 
@@ -3299,64 +3894,83 @@
       </p:grpSpPr>
       <p:sp>
         <p:nvSpPr>
-          <p:cNvPr id="4" name="標題 3"/>
-          <p:cNvSpPr>
-            <a:spLocks noGrp="1"/>
-          </p:cNvSpPr>
-          <p:nvPr>
-            <p:ph type="title"/>
-          </p:nvPr>
-        </p:nvSpPr>
-        <p:spPr/>
-        <p:txBody>
-          <a:bodyPr>
+          <p:cNvPr id="5" name="內容版面配置區 4"/>
+          <p:cNvSpPr>
+            <a:spLocks noGrp="1"/>
+          </p:cNvSpPr>
+          <p:nvPr>
+            <p:ph idx="1"/>
+          </p:nvPr>
+        </p:nvSpPr>
+        <p:spPr>
+          <a:xfrm>
+            <a:off x="0" y="2084851"/>
+            <a:ext cx="12192000" cy="2404863"/>
+          </a:xfrm>
+        </p:spPr>
+        <p:txBody>
+          <a:bodyPr anchor="ctr">
             <a:normAutofit/>
           </a:bodyPr>
           <a:lstStyle/>
           <a:p>
-            <a:r>
-              <a:rPr lang="zh-TW" altLang="en-US" sz="4800" b="1" dirty="0">
-                <a:latin typeface="Microsoft JhengHei" panose="020B0604030504040204" pitchFamily="34" charset="-120"/>
-                <a:ea typeface="Microsoft JhengHei" panose="020B0604030504040204" pitchFamily="34" charset="-120"/>
-              </a:rPr>
-              <a:t>主由墳墓裡復活</a:t>
-            </a:r>
-          </a:p>
-        </p:txBody>
-      </p:sp>
-      <p:sp>
-        <p:nvSpPr>
-          <p:cNvPr id="5" name="內容版面配置區 4"/>
-          <p:cNvSpPr>
-            <a:spLocks noGrp="1"/>
-          </p:cNvSpPr>
-          <p:nvPr>
-            <p:ph idx="1"/>
-          </p:nvPr>
-        </p:nvSpPr>
-        <p:spPr>
-          <a:xfrm>
-            <a:off x="0" y="1600200"/>
-            <a:ext cx="12192000" cy="5257800"/>
-          </a:xfrm>
-        </p:spPr>
-        <p:txBody>
-          <a:bodyPr>
-            <a:normAutofit/>
-          </a:bodyPr>
-          <a:lstStyle/>
-          <a:p>
             <a:pPr algn="ctr">
               <a:buNone/>
             </a:pPr>
             <a:r>
-              <a:rPr lang="zh-TW" altLang="en-US" sz="5400" b="1" dirty="0">
-                <a:latin typeface="Microsoft JhengHei" panose="020B0604030504040204" pitchFamily="34" charset="-120"/>
-                <a:ea typeface="Microsoft JhengHei" panose="020B0604030504040204" pitchFamily="34" charset="-120"/>
-              </a:rPr>
-              <a:t>主由墳墓裡復活</a:t>
-            </a:r>
-            <a:endParaRPr lang="en-US" altLang="zh-TW" sz="5400" b="1" dirty="0">
+              <a:rPr lang="zh-TW" altLang="en-US" sz="6400" b="1" dirty="0">
+                <a:solidFill>
+                  <a:srgbClr val="660033"/>
+                </a:solidFill>
+                <a:latin typeface="Microsoft JhengHei" panose="020B0604030504040204" pitchFamily="34" charset="-120"/>
+                <a:ea typeface="Microsoft JhengHei" panose="020B0604030504040204" pitchFamily="34" charset="-120"/>
+              </a:rPr>
+              <a:t>安睡在墳墓</a:t>
+            </a:r>
+            <a:r>
+              <a:rPr lang="zh-TW" altLang="en-US" sz="6400" b="1" dirty="0" smtClean="0">
+                <a:solidFill>
+                  <a:srgbClr val="660033"/>
+                </a:solidFill>
+                <a:latin typeface="Microsoft JhengHei" panose="020B0604030504040204" pitchFamily="34" charset="-120"/>
+                <a:ea typeface="Microsoft JhengHei" panose="020B0604030504040204" pitchFamily="34" charset="-120"/>
+              </a:rPr>
+              <a:t>裡</a:t>
+            </a:r>
+            <a:r>
+              <a:rPr lang="en-US" altLang="zh-TW" sz="6400" b="1" dirty="0" smtClean="0">
+                <a:solidFill>
+                  <a:srgbClr val="660033"/>
+                </a:solidFill>
+                <a:latin typeface="Microsoft JhengHei" panose="020B0604030504040204" pitchFamily="34" charset="-120"/>
+                <a:ea typeface="Microsoft JhengHei" panose="020B0604030504040204" pitchFamily="34" charset="-120"/>
+              </a:rPr>
+              <a:t>   </a:t>
+            </a:r>
+            <a:r>
+              <a:rPr lang="zh-TW" altLang="en-US" sz="6400" b="1" dirty="0" smtClean="0">
+                <a:solidFill>
+                  <a:srgbClr val="660033"/>
+                </a:solidFill>
+                <a:latin typeface="Microsoft JhengHei" panose="020B0604030504040204" pitchFamily="34" charset="-120"/>
+                <a:ea typeface="Microsoft JhengHei" panose="020B0604030504040204" pitchFamily="34" charset="-120"/>
+              </a:rPr>
+              <a:t>耶</a:t>
+            </a:r>
+            <a:r>
+              <a:rPr lang="zh-TW" altLang="en-US" sz="6400" b="1" dirty="0">
+                <a:solidFill>
+                  <a:srgbClr val="660033"/>
+                </a:solidFill>
+                <a:latin typeface="Microsoft JhengHei" panose="020B0604030504040204" pitchFamily="34" charset="-120"/>
+                <a:ea typeface="Microsoft JhengHei" panose="020B0604030504040204" pitchFamily="34" charset="-120"/>
+              </a:rPr>
+              <a:t>穌我救主</a:t>
+            </a:r>
+            <a:endParaRPr lang="en-US" altLang="zh-TW" sz="6400" b="1" dirty="0">
+              <a:solidFill>
+                <a:srgbClr val="660033"/>
+              </a:solidFill>
               <a:latin typeface="Microsoft JhengHei" panose="020B0604030504040204" pitchFamily="34" charset="-120"/>
               <a:ea typeface="Microsoft JhengHei" panose="020B0604030504040204" pitchFamily="34" charset="-120"/>
             </a:endParaRPr>
@@ -3366,147 +3980,121 @@
               <a:buNone/>
             </a:pPr>
             <a:r>
-              <a:rPr lang="zh-TW" altLang="en-US" sz="5400" b="1" dirty="0">
-                <a:latin typeface="Microsoft JhengHei" panose="020B0604030504040204" pitchFamily="34" charset="-120"/>
-                <a:ea typeface="Microsoft JhengHei" panose="020B0604030504040204" pitchFamily="34" charset="-120"/>
-              </a:rPr>
-              <a:t>一切仇敵罪惡全勝過</a:t>
-            </a:r>
-            <a:endParaRPr lang="en-US" altLang="zh-TW" sz="5400" b="1" dirty="0">
+              <a:rPr lang="zh-TW" altLang="en-US" sz="6400" b="1" dirty="0">
+                <a:solidFill>
+                  <a:srgbClr val="660033"/>
+                </a:solidFill>
+                <a:latin typeface="Microsoft JhengHei" panose="020B0604030504040204" pitchFamily="34" charset="-120"/>
+                <a:ea typeface="Microsoft JhengHei" panose="020B0604030504040204" pitchFamily="34" charset="-120"/>
+              </a:rPr>
+              <a:t>等待那復活</a:t>
+            </a:r>
+            <a:r>
+              <a:rPr lang="zh-TW" altLang="en-US" sz="6400" b="1" dirty="0" smtClean="0">
+                <a:solidFill>
+                  <a:srgbClr val="660033"/>
+                </a:solidFill>
+                <a:latin typeface="Microsoft JhengHei" panose="020B0604030504040204" pitchFamily="34" charset="-120"/>
+                <a:ea typeface="Microsoft JhengHei" panose="020B0604030504040204" pitchFamily="34" charset="-120"/>
+              </a:rPr>
+              <a:t>日</a:t>
+            </a:r>
+            <a:r>
+              <a:rPr lang="en-US" altLang="zh-TW" sz="6400" b="1" dirty="0" smtClean="0">
+                <a:solidFill>
+                  <a:srgbClr val="660033"/>
+                </a:solidFill>
+                <a:latin typeface="Microsoft JhengHei" panose="020B0604030504040204" pitchFamily="34" charset="-120"/>
+                <a:ea typeface="Microsoft JhengHei" panose="020B0604030504040204" pitchFamily="34" charset="-120"/>
+              </a:rPr>
+              <a:t>   </a:t>
+            </a:r>
+            <a:r>
+              <a:rPr lang="zh-TW" altLang="en-US" sz="6400" b="1" dirty="0" smtClean="0">
+                <a:solidFill>
+                  <a:srgbClr val="660033"/>
+                </a:solidFill>
+                <a:latin typeface="Microsoft JhengHei" panose="020B0604030504040204" pitchFamily="34" charset="-120"/>
+                <a:ea typeface="Microsoft JhengHei" panose="020B0604030504040204" pitchFamily="34" charset="-120"/>
+              </a:rPr>
+              <a:t>耶</a:t>
+            </a:r>
+            <a:r>
+              <a:rPr lang="zh-TW" altLang="en-US" sz="6400" b="1" dirty="0">
+                <a:solidFill>
+                  <a:srgbClr val="660033"/>
+                </a:solidFill>
+                <a:latin typeface="Microsoft JhengHei" panose="020B0604030504040204" pitchFamily="34" charset="-120"/>
+                <a:ea typeface="Microsoft JhengHei" panose="020B0604030504040204" pitchFamily="34" charset="-120"/>
+              </a:rPr>
+              <a:t>穌我主</a:t>
+            </a:r>
+            <a:endParaRPr lang="zh-TW" altLang="en-US" sz="6400" b="1" dirty="0">
+              <a:solidFill>
+                <a:srgbClr val="660033"/>
+              </a:solidFill>
               <a:latin typeface="Microsoft JhengHei" panose="020B0604030504040204" pitchFamily="34" charset="-120"/>
               <a:ea typeface="Microsoft JhengHei" panose="020B0604030504040204" pitchFamily="34" charset="-120"/>
             </a:endParaRPr>
           </a:p>
-          <a:p>
-            <a:pPr algn="ctr">
-              <a:buNone/>
-            </a:pPr>
-            <a:r>
-              <a:rPr lang="zh-TW" altLang="en-US" sz="5400" b="1" dirty="0">
-                <a:latin typeface="Microsoft JhengHei" panose="020B0604030504040204" pitchFamily="34" charset="-120"/>
-                <a:ea typeface="Microsoft JhengHei" panose="020B0604030504040204" pitchFamily="34" charset="-120"/>
-              </a:rPr>
-              <a:t>主耶穌復</a:t>
-            </a:r>
-            <a:r>
-              <a:rPr lang="zh-TW" altLang="en-US" sz="5400" b="1" dirty="0" smtClean="0">
-                <a:latin typeface="Microsoft JhengHei" panose="020B0604030504040204" pitchFamily="34" charset="-120"/>
-                <a:ea typeface="Microsoft JhengHei" panose="020B0604030504040204" pitchFamily="34" charset="-120"/>
-              </a:rPr>
-              <a:t>活</a:t>
-            </a:r>
-            <a:r>
-              <a:rPr lang="en-US" altLang="zh-TW" sz="5400" b="1" dirty="0">
-                <a:latin typeface="Microsoft JhengHei" panose="020B0604030504040204" pitchFamily="34" charset="-120"/>
-                <a:ea typeface="Microsoft JhengHei" panose="020B0604030504040204" pitchFamily="34" charset="-120"/>
-              </a:rPr>
-              <a:t> </a:t>
-            </a:r>
-            <a:r>
-              <a:rPr lang="en-US" altLang="zh-TW" sz="5400" b="1" dirty="0" smtClean="0">
-                <a:latin typeface="Microsoft JhengHei" panose="020B0604030504040204" pitchFamily="34" charset="-120"/>
-                <a:ea typeface="Microsoft JhengHei" panose="020B0604030504040204" pitchFamily="34" charset="-120"/>
-              </a:rPr>
-              <a:t> </a:t>
-            </a:r>
-            <a:r>
-              <a:rPr lang="zh-TW" altLang="en-US" sz="5400" b="1" dirty="0" smtClean="0">
-                <a:latin typeface="Microsoft JhengHei" panose="020B0604030504040204" pitchFamily="34" charset="-120"/>
-                <a:ea typeface="Microsoft JhengHei" panose="020B0604030504040204" pitchFamily="34" charset="-120"/>
-              </a:rPr>
-              <a:t>勝</a:t>
-            </a:r>
-            <a:r>
-              <a:rPr lang="zh-TW" altLang="en-US" sz="5400" b="1" dirty="0">
-                <a:latin typeface="Microsoft JhengHei" panose="020B0604030504040204" pitchFamily="34" charset="-120"/>
-                <a:ea typeface="Microsoft JhengHei" panose="020B0604030504040204" pitchFamily="34" charset="-120"/>
-              </a:rPr>
-              <a:t>過黑暗惡魔</a:t>
-            </a:r>
-            <a:endParaRPr lang="en-US" altLang="zh-TW" sz="5400" b="1" dirty="0">
-              <a:latin typeface="Microsoft JhengHei" panose="020B0604030504040204" pitchFamily="34" charset="-120"/>
-              <a:ea typeface="Microsoft JhengHei" panose="020B0604030504040204" pitchFamily="34" charset="-120"/>
+        </p:txBody>
+      </p:sp>
+      <p:sp>
+        <p:nvSpPr>
+          <p:cNvPr id="3" name="TextBox 2"/>
+          <p:cNvSpPr txBox="1"/>
+          <p:nvPr/>
+        </p:nvSpPr>
+        <p:spPr>
+          <a:xfrm>
+            <a:off x="0" y="5061182"/>
+            <a:ext cx="12192000" cy="830997"/>
+          </a:xfrm>
+          <a:prstGeom prst="rect">
+            <a:avLst/>
+          </a:prstGeom>
+          <a:noFill/>
+        </p:spPr>
+        <p:txBody>
+          <a:bodyPr wrap="square" rtlCol="0">
+            <a:spAutoFit/>
+          </a:bodyPr>
+          <a:lstStyle/>
+          <a:p>
+            <a:pPr algn="ctr"/>
+            <a:r>
+              <a:rPr lang="en-US" sz="4800" b="1" dirty="0">
+                <a:solidFill>
+                  <a:srgbClr val="660033"/>
+                </a:solidFill>
+              </a:rPr>
+              <a:t>( 1 )</a:t>
+            </a:r>
+            <a:endParaRPr lang="vi-VN" sz="4800" b="1" dirty="0">
+              <a:solidFill>
+                <a:srgbClr val="660033"/>
+              </a:solidFill>
             </a:endParaRPr>
           </a:p>
-          <a:p>
-            <a:pPr algn="ctr">
-              <a:buNone/>
-            </a:pPr>
-            <a:r>
-              <a:rPr lang="zh-TW" altLang="en-US" sz="5400" b="1" dirty="0">
-                <a:latin typeface="Microsoft JhengHei" panose="020B0604030504040204" pitchFamily="34" charset="-120"/>
-                <a:ea typeface="Microsoft JhengHei" panose="020B0604030504040204" pitchFamily="34" charset="-120"/>
-              </a:rPr>
-              <a:t>從此永與聖徒掌權在天</a:t>
-            </a:r>
-            <a:r>
-              <a:rPr lang="zh-TW" altLang="en-US" sz="5400" b="1" dirty="0" smtClean="0">
-                <a:latin typeface="Microsoft JhengHei" panose="020B0604030504040204" pitchFamily="34" charset="-120"/>
-                <a:ea typeface="Microsoft JhengHei" panose="020B0604030504040204" pitchFamily="34" charset="-120"/>
-              </a:rPr>
-              <a:t>國</a:t>
-            </a:r>
-            <a:endParaRPr lang="en-US" altLang="zh-TW" sz="5400" b="1" dirty="0" smtClean="0">
-              <a:latin typeface="Microsoft JhengHei" panose="020B0604030504040204" pitchFamily="34" charset="-120"/>
-              <a:ea typeface="Microsoft JhengHei" panose="020B0604030504040204" pitchFamily="34" charset="-120"/>
-            </a:endParaRPr>
-          </a:p>
-          <a:p>
-            <a:pPr algn="ctr">
-              <a:buNone/>
-            </a:pPr>
-            <a:r>
-              <a:rPr lang="zh-TW" altLang="en-US" sz="5400" b="1" dirty="0">
-                <a:latin typeface="Microsoft JhengHei" panose="020B0604030504040204" pitchFamily="34" charset="-120"/>
-                <a:ea typeface="Microsoft JhengHei" panose="020B0604030504040204" pitchFamily="34" charset="-120"/>
-              </a:rPr>
-              <a:t>主復活  主復</a:t>
-            </a:r>
-            <a:r>
-              <a:rPr lang="zh-TW" altLang="en-US" sz="5400" b="1" dirty="0" smtClean="0">
-                <a:latin typeface="Microsoft JhengHei" panose="020B0604030504040204" pitchFamily="34" charset="-120"/>
-                <a:ea typeface="Microsoft JhengHei" panose="020B0604030504040204" pitchFamily="34" charset="-120"/>
-              </a:rPr>
-              <a:t>活</a:t>
-            </a:r>
-            <a:r>
-              <a:rPr lang="en-US" altLang="zh-TW" sz="5400" b="1" dirty="0" smtClean="0">
-                <a:latin typeface="Microsoft JhengHei" panose="020B0604030504040204" pitchFamily="34" charset="-120"/>
-                <a:ea typeface="Microsoft JhengHei" panose="020B0604030504040204" pitchFamily="34" charset="-120"/>
-              </a:rPr>
-              <a:t>  </a:t>
-            </a:r>
-            <a:r>
-              <a:rPr lang="zh-TW" altLang="en-US" sz="5400" b="1" dirty="0" smtClean="0">
-                <a:latin typeface="Microsoft JhengHei" panose="020B0604030504040204" pitchFamily="34" charset="-120"/>
-                <a:ea typeface="Microsoft JhengHei" panose="020B0604030504040204" pitchFamily="34" charset="-120"/>
-              </a:rPr>
-              <a:t>哈</a:t>
-            </a:r>
-            <a:r>
-              <a:rPr lang="zh-TW" altLang="en-US" sz="5400" b="1" dirty="0">
-                <a:latin typeface="Microsoft JhengHei" panose="020B0604030504040204" pitchFamily="34" charset="-120"/>
-                <a:ea typeface="Microsoft JhengHei" panose="020B0604030504040204" pitchFamily="34" charset="-120"/>
-              </a:rPr>
-              <a:t>利路亞  主復活</a:t>
-            </a:r>
-          </a:p>
-          <a:p>
-            <a:pPr algn="ctr">
-              <a:buNone/>
-            </a:pPr>
-            <a:endParaRPr lang="zh-TW" altLang="en-US" sz="5400" dirty="0">
-              <a:latin typeface="Microsoft JhengHei" panose="020B0604030504040204" pitchFamily="34" charset="-120"/>
-              <a:ea typeface="Microsoft JhengHei" panose="020B0604030504040204" pitchFamily="34" charset="-120"/>
-            </a:endParaRPr>
-          </a:p>
         </p:txBody>
       </p:sp>
     </p:spTree>
+    <p:extLst>
+      <p:ext uri="{BB962C8B-B14F-4D97-AF65-F5344CB8AC3E}">
+        <p14:creationId xmlns:p14="http://schemas.microsoft.com/office/powerpoint/2010/main" val="3952731285"/>
+      </p:ext>
+    </p:extLst>
   </p:cSld>
   <p:clrMapOvr>
     <a:masterClrMapping/>
   </p:clrMapOvr>
+  <p:timing>
+    <p:tnLst>
+      <p:par>
+        <p:cTn id="1" dur="indefinite" restart="never" nodeType="tmRoot"/>
+      </p:par>
+    </p:tnLst>
+  </p:timing>
 </p:sld>
 </file>
 
@@ -3529,59 +4117,43 @@
       </p:grpSpPr>
       <p:sp>
         <p:nvSpPr>
-          <p:cNvPr id="4" name="標題 3"/>
-          <p:cNvSpPr>
-            <a:spLocks noGrp="1"/>
-          </p:cNvSpPr>
-          <p:nvPr>
-            <p:ph type="title"/>
-          </p:nvPr>
-        </p:nvSpPr>
-        <p:spPr/>
-        <p:txBody>
-          <a:bodyPr>
+          <p:cNvPr id="5" name="內容版面配置區 4"/>
+          <p:cNvSpPr>
+            <a:spLocks noGrp="1"/>
+          </p:cNvSpPr>
+          <p:nvPr>
+            <p:ph idx="1"/>
+          </p:nvPr>
+        </p:nvSpPr>
+        <p:spPr>
+          <a:xfrm>
+            <a:off x="0" y="2084851"/>
+            <a:ext cx="12192000" cy="2404863"/>
+          </a:xfrm>
+        </p:spPr>
+        <p:txBody>
+          <a:bodyPr anchor="ctr">
             <a:normAutofit/>
           </a:bodyPr>
           <a:lstStyle/>
           <a:p>
-            <a:r>
-              <a:rPr lang="zh-TW" altLang="en-US" sz="4800" b="1" dirty="0">
+            <a:pPr algn="ctr">
+              <a:buNone/>
+            </a:pPr>
+            <a:r>
+              <a:rPr lang="zh-TW" altLang="en-US" sz="6400" b="1" dirty="0">
+                <a:solidFill>
+                  <a:srgbClr val="660033"/>
+                </a:solidFill>
                 <a:latin typeface="Microsoft JhengHei" panose="020B0604030504040204" pitchFamily="34" charset="-120"/>
                 <a:ea typeface="Microsoft JhengHei" panose="020B0604030504040204" pitchFamily="34" charset="-120"/>
               </a:rPr>
               <a:t>主由墳墓裡復活</a:t>
             </a:r>
-          </a:p>
-        </p:txBody>
-      </p:sp>
-      <p:sp>
-        <p:nvSpPr>
-          <p:cNvPr id="5" name="內容版面配置區 4"/>
-          <p:cNvSpPr>
-            <a:spLocks noGrp="1"/>
-          </p:cNvSpPr>
-          <p:nvPr>
-            <p:ph idx="1"/>
-          </p:nvPr>
-        </p:nvSpPr>
-        <p:spPr/>
-        <p:txBody>
-          <a:bodyPr>
-            <a:normAutofit/>
-          </a:bodyPr>
-          <a:lstStyle/>
-          <a:p>
-            <a:pPr algn="ctr">
-              <a:buNone/>
-            </a:pPr>
-            <a:r>
-              <a:rPr lang="zh-TW" altLang="en-US" sz="5400" b="1" dirty="0">
-                <a:latin typeface="Microsoft JhengHei" panose="020B0604030504040204" pitchFamily="34" charset="-120"/>
-                <a:ea typeface="Microsoft JhengHei" panose="020B0604030504040204" pitchFamily="34" charset="-120"/>
-              </a:rPr>
-              <a:t>兵丁守墓無用</a:t>
-            </a:r>
-            <a:endParaRPr lang="en-US" altLang="zh-TW" sz="5400" b="1" dirty="0">
+            <a:endParaRPr lang="en-US" altLang="zh-TW" sz="6400" b="1" dirty="0">
+              <a:solidFill>
+                <a:srgbClr val="660033"/>
+              </a:solidFill>
               <a:latin typeface="Microsoft JhengHei" panose="020B0604030504040204" pitchFamily="34" charset="-120"/>
               <a:ea typeface="Microsoft JhengHei" panose="020B0604030504040204" pitchFamily="34" charset="-120"/>
             </a:endParaRPr>
@@ -3591,52 +4163,42 @@
               <a:buNone/>
             </a:pPr>
             <a:r>
-              <a:rPr lang="zh-TW" altLang="en-US" sz="5400" b="1" dirty="0">
-                <a:latin typeface="Microsoft JhengHei" panose="020B0604030504040204" pitchFamily="34" charset="-120"/>
-                <a:ea typeface="Microsoft JhengHei" panose="020B0604030504040204" pitchFamily="34" charset="-120"/>
-              </a:rPr>
-              <a:t>耶穌我救主</a:t>
-            </a:r>
-            <a:endParaRPr lang="en-US" altLang="zh-TW" sz="5400" b="1" dirty="0">
+              <a:rPr lang="zh-TW" altLang="en-US" sz="6400" b="1" dirty="0">
+                <a:solidFill>
+                  <a:srgbClr val="660033"/>
+                </a:solidFill>
+                <a:latin typeface="Microsoft JhengHei" panose="020B0604030504040204" pitchFamily="34" charset="-120"/>
+                <a:ea typeface="Microsoft JhengHei" panose="020B0604030504040204" pitchFamily="34" charset="-120"/>
+              </a:rPr>
+              <a:t>一切仇敵罪惡全勝過</a:t>
+            </a:r>
+            <a:endParaRPr lang="en-US" altLang="zh-TW" sz="6400" b="1" dirty="0">
+              <a:solidFill>
+                <a:srgbClr val="660033"/>
+              </a:solidFill>
               <a:latin typeface="Microsoft JhengHei" panose="020B0604030504040204" pitchFamily="34" charset="-120"/>
               <a:ea typeface="Microsoft JhengHei" panose="020B0604030504040204" pitchFamily="34" charset="-120"/>
             </a:endParaRPr>
           </a:p>
-          <a:p>
-            <a:pPr algn="ctr">
-              <a:buNone/>
-            </a:pPr>
-            <a:r>
-              <a:rPr lang="zh-TW" altLang="en-US" sz="5400" b="1" dirty="0">
-                <a:latin typeface="Microsoft JhengHei" panose="020B0604030504040204" pitchFamily="34" charset="-120"/>
-                <a:ea typeface="Microsoft JhengHei" panose="020B0604030504040204" pitchFamily="34" charset="-120"/>
-              </a:rPr>
-              <a:t>封石也歸虛空</a:t>
-            </a:r>
-            <a:endParaRPr lang="en-US" altLang="zh-TW" sz="5400" b="1" dirty="0">
-              <a:latin typeface="Microsoft JhengHei" panose="020B0604030504040204" pitchFamily="34" charset="-120"/>
-              <a:ea typeface="Microsoft JhengHei" panose="020B0604030504040204" pitchFamily="34" charset="-120"/>
-            </a:endParaRPr>
-          </a:p>
-          <a:p>
-            <a:pPr algn="ctr">
-              <a:buNone/>
-            </a:pPr>
-            <a:r>
-              <a:rPr lang="zh-TW" altLang="en-US" sz="5400" b="1" dirty="0">
-                <a:latin typeface="Microsoft JhengHei" panose="020B0604030504040204" pitchFamily="34" charset="-120"/>
-                <a:ea typeface="Microsoft JhengHei" panose="020B0604030504040204" pitchFamily="34" charset="-120"/>
-              </a:rPr>
-              <a:t>耶穌我主</a:t>
-            </a:r>
-          </a:p>
         </p:txBody>
       </p:sp>
     </p:spTree>
+    <p:extLst>
+      <p:ext uri="{BB962C8B-B14F-4D97-AF65-F5344CB8AC3E}">
+        <p14:creationId xmlns:p14="http://schemas.microsoft.com/office/powerpoint/2010/main" val="386793147"/>
+      </p:ext>
+    </p:extLst>
   </p:cSld>
   <p:clrMapOvr>
     <a:masterClrMapping/>
   </p:clrMapOvr>
+  <p:timing>
+    <p:tnLst>
+      <p:par>
+        <p:cTn id="1" dur="indefinite" restart="never" nodeType="tmRoot"/>
+      </p:par>
+    </p:tnLst>
+  </p:timing>
 </p:sld>
 </file>
 
@@ -3659,64 +4221,83 @@
       </p:grpSpPr>
       <p:sp>
         <p:nvSpPr>
-          <p:cNvPr id="4" name="標題 3"/>
-          <p:cNvSpPr>
-            <a:spLocks noGrp="1"/>
-          </p:cNvSpPr>
-          <p:nvPr>
-            <p:ph type="title"/>
-          </p:nvPr>
-        </p:nvSpPr>
-        <p:spPr/>
-        <p:txBody>
-          <a:bodyPr>
+          <p:cNvPr id="5" name="內容版面配置區 4"/>
+          <p:cNvSpPr>
+            <a:spLocks noGrp="1"/>
+          </p:cNvSpPr>
+          <p:nvPr>
+            <p:ph idx="1"/>
+          </p:nvPr>
+        </p:nvSpPr>
+        <p:spPr>
+          <a:xfrm>
+            <a:off x="0" y="2084851"/>
+            <a:ext cx="12192000" cy="2404863"/>
+          </a:xfrm>
+        </p:spPr>
+        <p:txBody>
+          <a:bodyPr anchor="ctr">
             <a:normAutofit/>
           </a:bodyPr>
           <a:lstStyle/>
           <a:p>
-            <a:r>
-              <a:rPr lang="zh-TW" altLang="en-US" sz="4800" b="1" dirty="0">
-                <a:latin typeface="Microsoft JhengHei" panose="020B0604030504040204" pitchFamily="34" charset="-120"/>
-                <a:ea typeface="Microsoft JhengHei" panose="020B0604030504040204" pitchFamily="34" charset="-120"/>
-              </a:rPr>
-              <a:t>主由墳墓裡復活</a:t>
-            </a:r>
-          </a:p>
-        </p:txBody>
-      </p:sp>
-      <p:sp>
-        <p:nvSpPr>
-          <p:cNvPr id="5" name="內容版面配置區 4"/>
-          <p:cNvSpPr>
-            <a:spLocks noGrp="1"/>
-          </p:cNvSpPr>
-          <p:nvPr>
-            <p:ph idx="1"/>
-          </p:nvPr>
-        </p:nvSpPr>
-        <p:spPr>
-          <a:xfrm>
-            <a:off x="0" y="1600200"/>
-            <a:ext cx="12192000" cy="5257800"/>
-          </a:xfrm>
-        </p:spPr>
-        <p:txBody>
-          <a:bodyPr>
-            <a:normAutofit/>
-          </a:bodyPr>
-          <a:lstStyle/>
-          <a:p>
             <a:pPr algn="ctr">
               <a:buNone/>
             </a:pPr>
             <a:r>
-              <a:rPr lang="zh-TW" altLang="en-US" sz="5400" b="1" dirty="0">
-                <a:latin typeface="Microsoft JhengHei" panose="020B0604030504040204" pitchFamily="34" charset="-120"/>
-                <a:ea typeface="Microsoft JhengHei" panose="020B0604030504040204" pitchFamily="34" charset="-120"/>
-              </a:rPr>
-              <a:t>主由墳墓裡復活</a:t>
-            </a:r>
-            <a:endParaRPr lang="en-US" altLang="zh-TW" sz="5400" b="1" dirty="0">
+              <a:rPr lang="zh-TW" altLang="en-US" sz="6400" b="1" dirty="0">
+                <a:solidFill>
+                  <a:srgbClr val="660033"/>
+                </a:solidFill>
+                <a:latin typeface="Microsoft JhengHei" panose="020B0604030504040204" pitchFamily="34" charset="-120"/>
+                <a:ea typeface="Microsoft JhengHei" panose="020B0604030504040204" pitchFamily="34" charset="-120"/>
+              </a:rPr>
+              <a:t>主耶穌復活</a:t>
+            </a:r>
+            <a:r>
+              <a:rPr lang="en-US" altLang="zh-TW" sz="6400" b="1" dirty="0">
+                <a:solidFill>
+                  <a:srgbClr val="660033"/>
+                </a:solidFill>
+                <a:latin typeface="Microsoft JhengHei" panose="020B0604030504040204" pitchFamily="34" charset="-120"/>
+                <a:ea typeface="Microsoft JhengHei" panose="020B0604030504040204" pitchFamily="34" charset="-120"/>
+              </a:rPr>
+              <a:t>  </a:t>
+            </a:r>
+            <a:r>
+              <a:rPr lang="en-US" altLang="zh-TW" sz="6400" b="1" dirty="0">
+                <a:solidFill>
+                  <a:srgbClr val="660033"/>
+                </a:solidFill>
+                <a:latin typeface="Microsoft JhengHei" panose="020B0604030504040204" pitchFamily="34" charset="-120"/>
+                <a:ea typeface="Microsoft JhengHei" panose="020B0604030504040204" pitchFamily="34" charset="-120"/>
+              </a:rPr>
+              <a:t> </a:t>
+            </a:r>
+            <a:r>
+              <a:rPr lang="zh-TW" altLang="en-US" sz="6400" b="1" dirty="0">
+                <a:solidFill>
+                  <a:srgbClr val="660033"/>
+                </a:solidFill>
+                <a:latin typeface="Microsoft JhengHei" panose="020B0604030504040204" pitchFamily="34" charset="-120"/>
+                <a:ea typeface="Microsoft JhengHei" panose="020B0604030504040204" pitchFamily="34" charset="-120"/>
+              </a:rPr>
+              <a:t>勝</a:t>
+            </a:r>
+            <a:r>
+              <a:rPr lang="zh-TW" altLang="en-US" sz="6400" b="1" dirty="0">
+                <a:solidFill>
+                  <a:srgbClr val="660033"/>
+                </a:solidFill>
+                <a:latin typeface="Microsoft JhengHei" panose="020B0604030504040204" pitchFamily="34" charset="-120"/>
+                <a:ea typeface="Microsoft JhengHei" panose="020B0604030504040204" pitchFamily="34" charset="-120"/>
+              </a:rPr>
+              <a:t>過黑暗惡魔</a:t>
+            </a:r>
+            <a:endParaRPr lang="en-US" altLang="zh-TW" sz="6400" b="1" dirty="0">
+              <a:solidFill>
+                <a:srgbClr val="660033"/>
+              </a:solidFill>
               <a:latin typeface="Microsoft JhengHei" panose="020B0604030504040204" pitchFamily="34" charset="-120"/>
               <a:ea typeface="Microsoft JhengHei" panose="020B0604030504040204" pitchFamily="34" charset="-120"/>
             </a:endParaRPr>
@@ -3726,152 +4307,42 @@
               <a:buNone/>
             </a:pPr>
             <a:r>
-              <a:rPr lang="zh-TW" altLang="en-US" sz="5400" b="1" dirty="0">
-                <a:latin typeface="Microsoft JhengHei" panose="020B0604030504040204" pitchFamily="34" charset="-120"/>
-                <a:ea typeface="Microsoft JhengHei" panose="020B0604030504040204" pitchFamily="34" charset="-120"/>
-              </a:rPr>
-              <a:t>一切仇敵罪惡全勝過</a:t>
-            </a:r>
-            <a:endParaRPr lang="en-US" altLang="zh-TW" sz="5400" b="1" dirty="0">
+              <a:rPr lang="zh-TW" altLang="en-US" sz="6400" b="1" dirty="0">
+                <a:solidFill>
+                  <a:srgbClr val="660033"/>
+                </a:solidFill>
+                <a:latin typeface="Microsoft JhengHei" panose="020B0604030504040204" pitchFamily="34" charset="-120"/>
+                <a:ea typeface="Microsoft JhengHei" panose="020B0604030504040204" pitchFamily="34" charset="-120"/>
+              </a:rPr>
+              <a:t>從此永與聖徒掌權在天國</a:t>
+            </a:r>
+            <a:endParaRPr lang="en-US" altLang="zh-TW" sz="6400" b="1" dirty="0">
+              <a:solidFill>
+                <a:srgbClr val="660033"/>
+              </a:solidFill>
               <a:latin typeface="Microsoft JhengHei" panose="020B0604030504040204" pitchFamily="34" charset="-120"/>
               <a:ea typeface="Microsoft JhengHei" panose="020B0604030504040204" pitchFamily="34" charset="-120"/>
             </a:endParaRPr>
           </a:p>
-          <a:p>
-            <a:pPr algn="ctr">
-              <a:buNone/>
-            </a:pPr>
-            <a:r>
-              <a:rPr lang="zh-TW" altLang="en-US" sz="5400" b="1" dirty="0">
-                <a:latin typeface="Microsoft JhengHei" panose="020B0604030504040204" pitchFamily="34" charset="-120"/>
-                <a:ea typeface="Microsoft JhengHei" panose="020B0604030504040204" pitchFamily="34" charset="-120"/>
-              </a:rPr>
-              <a:t>主耶穌復</a:t>
-            </a:r>
-            <a:r>
-              <a:rPr lang="zh-TW" altLang="en-US" sz="5400" b="1" dirty="0" smtClean="0">
-                <a:latin typeface="Microsoft JhengHei" panose="020B0604030504040204" pitchFamily="34" charset="-120"/>
-                <a:ea typeface="Microsoft JhengHei" panose="020B0604030504040204" pitchFamily="34" charset="-120"/>
-              </a:rPr>
-              <a:t>活</a:t>
-            </a:r>
-            <a:r>
-              <a:rPr lang="en-US" altLang="zh-TW" sz="5400" b="1" dirty="0">
-                <a:latin typeface="Microsoft JhengHei" panose="020B0604030504040204" pitchFamily="34" charset="-120"/>
-                <a:ea typeface="Microsoft JhengHei" panose="020B0604030504040204" pitchFamily="34" charset="-120"/>
-              </a:rPr>
-              <a:t> </a:t>
-            </a:r>
-            <a:r>
-              <a:rPr lang="en-US" altLang="zh-TW" sz="5400" b="1" dirty="0" smtClean="0">
-                <a:latin typeface="Microsoft JhengHei" panose="020B0604030504040204" pitchFamily="34" charset="-120"/>
-                <a:ea typeface="Microsoft JhengHei" panose="020B0604030504040204" pitchFamily="34" charset="-120"/>
-              </a:rPr>
-              <a:t> </a:t>
-            </a:r>
-            <a:r>
-              <a:rPr lang="zh-TW" altLang="en-US" sz="5400" b="1" dirty="0" smtClean="0">
-                <a:latin typeface="Microsoft JhengHei" panose="020B0604030504040204" pitchFamily="34" charset="-120"/>
-                <a:ea typeface="Microsoft JhengHei" panose="020B0604030504040204" pitchFamily="34" charset="-120"/>
-              </a:rPr>
-              <a:t>勝</a:t>
-            </a:r>
-            <a:r>
-              <a:rPr lang="zh-TW" altLang="en-US" sz="5400" b="1" dirty="0">
-                <a:latin typeface="Microsoft JhengHei" panose="020B0604030504040204" pitchFamily="34" charset="-120"/>
-                <a:ea typeface="Microsoft JhengHei" panose="020B0604030504040204" pitchFamily="34" charset="-120"/>
-              </a:rPr>
-              <a:t>過黑暗惡魔</a:t>
-            </a:r>
-            <a:endParaRPr lang="en-US" altLang="zh-TW" sz="5400" b="1" dirty="0">
-              <a:latin typeface="Microsoft JhengHei" panose="020B0604030504040204" pitchFamily="34" charset="-120"/>
-              <a:ea typeface="Microsoft JhengHei" panose="020B0604030504040204" pitchFamily="34" charset="-120"/>
-            </a:endParaRPr>
-          </a:p>
-          <a:p>
-            <a:pPr algn="ctr">
-              <a:buNone/>
-            </a:pPr>
-            <a:r>
-              <a:rPr lang="zh-TW" altLang="en-US" sz="5400" b="1" dirty="0">
-                <a:latin typeface="Microsoft JhengHei" panose="020B0604030504040204" pitchFamily="34" charset="-120"/>
-                <a:ea typeface="Microsoft JhengHei" panose="020B0604030504040204" pitchFamily="34" charset="-120"/>
-              </a:rPr>
-              <a:t>從此永與聖徒掌權在天</a:t>
-            </a:r>
-            <a:r>
-              <a:rPr lang="zh-TW" altLang="en-US" sz="5400" b="1" dirty="0" smtClean="0">
-                <a:latin typeface="Microsoft JhengHei" panose="020B0604030504040204" pitchFamily="34" charset="-120"/>
-                <a:ea typeface="Microsoft JhengHei" panose="020B0604030504040204" pitchFamily="34" charset="-120"/>
-              </a:rPr>
-              <a:t>國</a:t>
-            </a:r>
-            <a:endParaRPr lang="en-US" altLang="zh-TW" sz="5400" b="1" dirty="0" smtClean="0">
-              <a:latin typeface="Microsoft JhengHei" panose="020B0604030504040204" pitchFamily="34" charset="-120"/>
-              <a:ea typeface="Microsoft JhengHei" panose="020B0604030504040204" pitchFamily="34" charset="-120"/>
-            </a:endParaRPr>
-          </a:p>
-          <a:p>
-            <a:pPr algn="ctr">
-              <a:buNone/>
-            </a:pPr>
-            <a:r>
-              <a:rPr lang="zh-TW" altLang="en-US" sz="5400" b="1" dirty="0">
-                <a:latin typeface="Microsoft JhengHei" panose="020B0604030504040204" pitchFamily="34" charset="-120"/>
-                <a:ea typeface="Microsoft JhengHei" panose="020B0604030504040204" pitchFamily="34" charset="-120"/>
-              </a:rPr>
-              <a:t>主復活  主復</a:t>
-            </a:r>
-            <a:r>
-              <a:rPr lang="zh-TW" altLang="en-US" sz="5400" b="1" dirty="0" smtClean="0">
-                <a:latin typeface="Microsoft JhengHei" panose="020B0604030504040204" pitchFamily="34" charset="-120"/>
-                <a:ea typeface="Microsoft JhengHei" panose="020B0604030504040204" pitchFamily="34" charset="-120"/>
-              </a:rPr>
-              <a:t>活</a:t>
-            </a:r>
-            <a:r>
-              <a:rPr lang="en-US" altLang="zh-TW" sz="5400" b="1" dirty="0" smtClean="0">
-                <a:latin typeface="Microsoft JhengHei" panose="020B0604030504040204" pitchFamily="34" charset="-120"/>
-                <a:ea typeface="Microsoft JhengHei" panose="020B0604030504040204" pitchFamily="34" charset="-120"/>
-              </a:rPr>
-              <a:t>  </a:t>
-            </a:r>
-            <a:r>
-              <a:rPr lang="zh-TW" altLang="en-US" sz="5400" b="1" dirty="0" smtClean="0">
-                <a:latin typeface="Microsoft JhengHei" panose="020B0604030504040204" pitchFamily="34" charset="-120"/>
-                <a:ea typeface="Microsoft JhengHei" panose="020B0604030504040204" pitchFamily="34" charset="-120"/>
-              </a:rPr>
-              <a:t>哈</a:t>
-            </a:r>
-            <a:r>
-              <a:rPr lang="zh-TW" altLang="en-US" sz="5400" b="1" dirty="0">
-                <a:latin typeface="Microsoft JhengHei" panose="020B0604030504040204" pitchFamily="34" charset="-120"/>
-                <a:ea typeface="Microsoft JhengHei" panose="020B0604030504040204" pitchFamily="34" charset="-120"/>
-              </a:rPr>
-              <a:t>利路亞  主復活</a:t>
-            </a:r>
-          </a:p>
-          <a:p>
-            <a:pPr algn="ctr">
-              <a:buNone/>
-            </a:pPr>
-            <a:endParaRPr lang="zh-TW" altLang="en-US" sz="5400" dirty="0">
-              <a:latin typeface="Microsoft JhengHei" panose="020B0604030504040204" pitchFamily="34" charset="-120"/>
-              <a:ea typeface="Microsoft JhengHei" panose="020B0604030504040204" pitchFamily="34" charset="-120"/>
-            </a:endParaRPr>
-          </a:p>
         </p:txBody>
       </p:sp>
     </p:spTree>
     <p:extLst>
       <p:ext uri="{BB962C8B-B14F-4D97-AF65-F5344CB8AC3E}">
-        <p14:creationId xmlns:p14="http://schemas.microsoft.com/office/powerpoint/2010/main" val="2595489358"/>
+        <p14:creationId xmlns:p14="http://schemas.microsoft.com/office/powerpoint/2010/main" val="3090590972"/>
       </p:ext>
     </p:extLst>
   </p:cSld>
   <p:clrMapOvr>
     <a:masterClrMapping/>
   </p:clrMapOvr>
+  <p:timing>
+    <p:tnLst>
+      <p:par>
+        <p:cTn id="1" dur="indefinite" restart="never" nodeType="tmRoot"/>
+      </p:par>
+    </p:tnLst>
+  </p:timing>
 </p:sld>
 </file>
 
@@ -3894,59 +4365,53 @@
       </p:grpSpPr>
       <p:sp>
         <p:nvSpPr>
-          <p:cNvPr id="4" name="標題 3"/>
-          <p:cNvSpPr>
-            <a:spLocks noGrp="1"/>
-          </p:cNvSpPr>
-          <p:nvPr>
-            <p:ph type="title"/>
-          </p:nvPr>
-        </p:nvSpPr>
-        <p:spPr/>
-        <p:txBody>
-          <a:bodyPr>
+          <p:cNvPr id="5" name="內容版面配置區 4"/>
+          <p:cNvSpPr>
+            <a:spLocks noGrp="1"/>
+          </p:cNvSpPr>
+          <p:nvPr>
+            <p:ph idx="1"/>
+          </p:nvPr>
+        </p:nvSpPr>
+        <p:spPr>
+          <a:xfrm>
+            <a:off x="0" y="2084851"/>
+            <a:ext cx="12192000" cy="2404863"/>
+          </a:xfrm>
+        </p:spPr>
+        <p:txBody>
+          <a:bodyPr anchor="ctr">
             <a:normAutofit/>
           </a:bodyPr>
           <a:lstStyle/>
           <a:p>
-            <a:r>
-              <a:rPr lang="zh-TW" altLang="en-US" sz="4800" b="1" dirty="0">
-                <a:latin typeface="Microsoft JhengHei" panose="020B0604030504040204" pitchFamily="34" charset="-120"/>
-                <a:ea typeface="Microsoft JhengHei" panose="020B0604030504040204" pitchFamily="34" charset="-120"/>
-              </a:rPr>
-              <a:t>主由墳墓裡復活</a:t>
-            </a:r>
-          </a:p>
-        </p:txBody>
-      </p:sp>
-      <p:sp>
-        <p:nvSpPr>
-          <p:cNvPr id="5" name="內容版面配置區 4"/>
-          <p:cNvSpPr>
-            <a:spLocks noGrp="1"/>
-          </p:cNvSpPr>
-          <p:nvPr>
-            <p:ph idx="1"/>
-          </p:nvPr>
-        </p:nvSpPr>
-        <p:spPr/>
-        <p:txBody>
-          <a:bodyPr>
-            <a:normAutofit/>
-          </a:bodyPr>
-          <a:lstStyle/>
-          <a:p>
             <a:pPr algn="ctr">
               <a:buNone/>
             </a:pPr>
             <a:r>
-              <a:rPr lang="zh-TW" altLang="en-US" sz="5400" b="1" dirty="0">
-                <a:latin typeface="Microsoft JhengHei" panose="020B0604030504040204" pitchFamily="34" charset="-120"/>
-                <a:ea typeface="Microsoft JhengHei" panose="020B0604030504040204" pitchFamily="34" charset="-120"/>
-              </a:rPr>
-              <a:t>死權不能捆主</a:t>
-            </a:r>
-            <a:endParaRPr lang="en-US" altLang="zh-TW" sz="5400" b="1" dirty="0">
+              <a:rPr lang="zh-TW" altLang="en-US" sz="6400" b="1" dirty="0">
+                <a:solidFill>
+                  <a:srgbClr val="660033"/>
+                </a:solidFill>
+                <a:latin typeface="Microsoft JhengHei" panose="020B0604030504040204" pitchFamily="34" charset="-120"/>
+                <a:ea typeface="Microsoft JhengHei" panose="020B0604030504040204" pitchFamily="34" charset="-120"/>
+              </a:rPr>
+              <a:t>主復活  主復</a:t>
+            </a:r>
+            <a:r>
+              <a:rPr lang="zh-TW" altLang="en-US" sz="6400" b="1" dirty="0">
+                <a:solidFill>
+                  <a:srgbClr val="660033"/>
+                </a:solidFill>
+                <a:latin typeface="Microsoft JhengHei" panose="020B0604030504040204" pitchFamily="34" charset="-120"/>
+                <a:ea typeface="Microsoft JhengHei" panose="020B0604030504040204" pitchFamily="34" charset="-120"/>
+              </a:rPr>
+              <a:t>活</a:t>
+            </a:r>
+            <a:endParaRPr lang="en-US" altLang="zh-TW" sz="6400" b="1" dirty="0">
+              <a:solidFill>
+                <a:srgbClr val="660033"/>
+              </a:solidFill>
               <a:latin typeface="Microsoft JhengHei" panose="020B0604030504040204" pitchFamily="34" charset="-120"/>
               <a:ea typeface="Microsoft JhengHei" panose="020B0604030504040204" pitchFamily="34" charset="-120"/>
             </a:endParaRPr>
@@ -3956,52 +4421,45 @@
               <a:buNone/>
             </a:pPr>
             <a:r>
-              <a:rPr lang="zh-TW" altLang="en-US" sz="5400" b="1" dirty="0">
-                <a:latin typeface="Microsoft JhengHei" panose="020B0604030504040204" pitchFamily="34" charset="-120"/>
-                <a:ea typeface="Microsoft JhengHei" panose="020B0604030504040204" pitchFamily="34" charset="-120"/>
-              </a:rPr>
-              <a:t>耶穌我救主</a:t>
-            </a:r>
-            <a:endParaRPr lang="en-US" altLang="zh-TW" sz="5400" b="1" dirty="0">
-              <a:latin typeface="Microsoft JhengHei" panose="020B0604030504040204" pitchFamily="34" charset="-120"/>
-              <a:ea typeface="Microsoft JhengHei" panose="020B0604030504040204" pitchFamily="34" charset="-120"/>
-            </a:endParaRPr>
-          </a:p>
-          <a:p>
-            <a:pPr algn="ctr">
-              <a:buNone/>
-            </a:pPr>
-            <a:r>
-              <a:rPr lang="zh-TW" altLang="en-US" sz="5400" b="1" dirty="0">
-                <a:latin typeface="Microsoft JhengHei" panose="020B0604030504040204" pitchFamily="34" charset="-120"/>
-                <a:ea typeface="Microsoft JhengHei" panose="020B0604030504040204" pitchFamily="34" charset="-120"/>
-              </a:rPr>
-              <a:t>破壞地獄牢困</a:t>
-            </a:r>
-            <a:endParaRPr lang="en-US" altLang="zh-TW" sz="5400" b="1" dirty="0">
-              <a:latin typeface="Microsoft JhengHei" panose="020B0604030504040204" pitchFamily="34" charset="-120"/>
-              <a:ea typeface="Microsoft JhengHei" panose="020B0604030504040204" pitchFamily="34" charset="-120"/>
-            </a:endParaRPr>
-          </a:p>
-          <a:p>
-            <a:pPr algn="ctr">
-              <a:buNone/>
-            </a:pPr>
-            <a:r>
-              <a:rPr lang="zh-TW" altLang="en-US" sz="5400" b="1" dirty="0">
-                <a:latin typeface="Microsoft JhengHei" panose="020B0604030504040204" pitchFamily="34" charset="-120"/>
-                <a:ea typeface="Microsoft JhengHei" panose="020B0604030504040204" pitchFamily="34" charset="-120"/>
-              </a:rPr>
-              <a:t>耶穌我主</a:t>
+              <a:rPr lang="zh-TW" altLang="en-US" sz="6400" b="1" dirty="0">
+                <a:solidFill>
+                  <a:srgbClr val="660033"/>
+                </a:solidFill>
+                <a:latin typeface="Microsoft JhengHei" panose="020B0604030504040204" pitchFamily="34" charset="-120"/>
+                <a:ea typeface="Microsoft JhengHei" panose="020B0604030504040204" pitchFamily="34" charset="-120"/>
+              </a:rPr>
+              <a:t>哈</a:t>
+            </a:r>
+            <a:r>
+              <a:rPr lang="zh-TW" altLang="en-US" sz="6400" b="1" dirty="0">
+                <a:solidFill>
+                  <a:srgbClr val="660033"/>
+                </a:solidFill>
+                <a:latin typeface="Microsoft JhengHei" panose="020B0604030504040204" pitchFamily="34" charset="-120"/>
+                <a:ea typeface="Microsoft JhengHei" panose="020B0604030504040204" pitchFamily="34" charset="-120"/>
+              </a:rPr>
+              <a:t>利路亞  主復活</a:t>
             </a:r>
           </a:p>
         </p:txBody>
       </p:sp>
     </p:spTree>
+    <p:extLst>
+      <p:ext uri="{BB962C8B-B14F-4D97-AF65-F5344CB8AC3E}">
+        <p14:creationId xmlns:p14="http://schemas.microsoft.com/office/powerpoint/2010/main" val="1769545416"/>
+      </p:ext>
+    </p:extLst>
   </p:cSld>
   <p:clrMapOvr>
     <a:masterClrMapping/>
   </p:clrMapOvr>
+  <p:timing>
+    <p:tnLst>
+      <p:par>
+        <p:cTn id="1" dur="indefinite" restart="never" nodeType="tmRoot"/>
+      </p:par>
+    </p:tnLst>
+  </p:timing>
 </p:sld>
 </file>
 
@@ -4024,64 +4482,83 @@
       </p:grpSpPr>
       <p:sp>
         <p:nvSpPr>
-          <p:cNvPr id="4" name="標題 3"/>
-          <p:cNvSpPr>
-            <a:spLocks noGrp="1"/>
-          </p:cNvSpPr>
-          <p:nvPr>
-            <p:ph type="title"/>
-          </p:nvPr>
-        </p:nvSpPr>
-        <p:spPr/>
-        <p:txBody>
-          <a:bodyPr>
+          <p:cNvPr id="5" name="內容版面配置區 4"/>
+          <p:cNvSpPr>
+            <a:spLocks noGrp="1"/>
+          </p:cNvSpPr>
+          <p:nvPr>
+            <p:ph idx="1"/>
+          </p:nvPr>
+        </p:nvSpPr>
+        <p:spPr>
+          <a:xfrm>
+            <a:off x="0" y="2084851"/>
+            <a:ext cx="12192000" cy="2404863"/>
+          </a:xfrm>
+        </p:spPr>
+        <p:txBody>
+          <a:bodyPr anchor="ctr">
             <a:normAutofit/>
           </a:bodyPr>
           <a:lstStyle/>
           <a:p>
-            <a:r>
-              <a:rPr lang="zh-TW" altLang="en-US" sz="4800" b="1" dirty="0">
-                <a:latin typeface="Microsoft JhengHei" panose="020B0604030504040204" pitchFamily="34" charset="-120"/>
-                <a:ea typeface="Microsoft JhengHei" panose="020B0604030504040204" pitchFamily="34" charset="-120"/>
-              </a:rPr>
-              <a:t>主由墳墓裡復活</a:t>
-            </a:r>
-          </a:p>
-        </p:txBody>
-      </p:sp>
-      <p:sp>
-        <p:nvSpPr>
-          <p:cNvPr id="5" name="內容版面配置區 4"/>
-          <p:cNvSpPr>
-            <a:spLocks noGrp="1"/>
-          </p:cNvSpPr>
-          <p:nvPr>
-            <p:ph idx="1"/>
-          </p:nvPr>
-        </p:nvSpPr>
-        <p:spPr>
-          <a:xfrm>
-            <a:off x="0" y="1600200"/>
-            <a:ext cx="12192000" cy="5257800"/>
-          </a:xfrm>
-        </p:spPr>
-        <p:txBody>
-          <a:bodyPr>
-            <a:normAutofit/>
-          </a:bodyPr>
-          <a:lstStyle/>
-          <a:p>
             <a:pPr algn="ctr">
               <a:buNone/>
             </a:pPr>
             <a:r>
-              <a:rPr lang="zh-TW" altLang="en-US" sz="5400" b="1" dirty="0">
-                <a:latin typeface="Microsoft JhengHei" panose="020B0604030504040204" pitchFamily="34" charset="-120"/>
-                <a:ea typeface="Microsoft JhengHei" panose="020B0604030504040204" pitchFamily="34" charset="-120"/>
-              </a:rPr>
-              <a:t>主由墳墓裡復活</a:t>
-            </a:r>
-            <a:endParaRPr lang="en-US" altLang="zh-TW" sz="5400" b="1" dirty="0">
+              <a:rPr lang="zh-TW" altLang="en-US" sz="6400" b="1" dirty="0">
+                <a:solidFill>
+                  <a:srgbClr val="660033"/>
+                </a:solidFill>
+                <a:latin typeface="Microsoft JhengHei" panose="020B0604030504040204" pitchFamily="34" charset="-120"/>
+                <a:ea typeface="Microsoft JhengHei" panose="020B0604030504040204" pitchFamily="34" charset="-120"/>
+              </a:rPr>
+              <a:t>兵丁守墓無</a:t>
+            </a:r>
+            <a:r>
+              <a:rPr lang="zh-TW" altLang="en-US" sz="6400" b="1" dirty="0">
+                <a:solidFill>
+                  <a:srgbClr val="660033"/>
+                </a:solidFill>
+                <a:latin typeface="Microsoft JhengHei" panose="020B0604030504040204" pitchFamily="34" charset="-120"/>
+                <a:ea typeface="Microsoft JhengHei" panose="020B0604030504040204" pitchFamily="34" charset="-120"/>
+              </a:rPr>
+              <a:t>用</a:t>
+            </a:r>
+            <a:r>
+              <a:rPr lang="en-US" altLang="zh-TW" sz="6400" b="1" dirty="0">
+                <a:solidFill>
+                  <a:srgbClr val="660033"/>
+                </a:solidFill>
+                <a:latin typeface="Microsoft JhengHei" panose="020B0604030504040204" pitchFamily="34" charset="-120"/>
+                <a:ea typeface="Microsoft JhengHei" panose="020B0604030504040204" pitchFamily="34" charset="-120"/>
+              </a:rPr>
+              <a:t>   </a:t>
+            </a:r>
+            <a:r>
+              <a:rPr lang="zh-TW" altLang="en-US" sz="6400" b="1" dirty="0">
+                <a:solidFill>
+                  <a:srgbClr val="660033"/>
+                </a:solidFill>
+                <a:latin typeface="Microsoft JhengHei" panose="020B0604030504040204" pitchFamily="34" charset="-120"/>
+                <a:ea typeface="Microsoft JhengHei" panose="020B0604030504040204" pitchFamily="34" charset="-120"/>
+              </a:rPr>
+              <a:t>耶</a:t>
+            </a:r>
+            <a:r>
+              <a:rPr lang="zh-TW" altLang="en-US" sz="6400" b="1" dirty="0">
+                <a:solidFill>
+                  <a:srgbClr val="660033"/>
+                </a:solidFill>
+                <a:latin typeface="Microsoft JhengHei" panose="020B0604030504040204" pitchFamily="34" charset="-120"/>
+                <a:ea typeface="Microsoft JhengHei" panose="020B0604030504040204" pitchFamily="34" charset="-120"/>
+              </a:rPr>
+              <a:t>穌我救主</a:t>
+            </a:r>
+            <a:endParaRPr lang="en-US" altLang="zh-TW" sz="6400" b="1" dirty="0">
+              <a:solidFill>
+                <a:srgbClr val="660033"/>
+              </a:solidFill>
               <a:latin typeface="Microsoft JhengHei" panose="020B0604030504040204" pitchFamily="34" charset="-120"/>
               <a:ea typeface="Microsoft JhengHei" panose="020B0604030504040204" pitchFamily="34" charset="-120"/>
             </a:endParaRPr>
@@ -4091,138 +4568,109 @@
               <a:buNone/>
             </a:pPr>
             <a:r>
-              <a:rPr lang="zh-TW" altLang="en-US" sz="5400" b="1" dirty="0">
-                <a:latin typeface="Microsoft JhengHei" panose="020B0604030504040204" pitchFamily="34" charset="-120"/>
-                <a:ea typeface="Microsoft JhengHei" panose="020B0604030504040204" pitchFamily="34" charset="-120"/>
-              </a:rPr>
-              <a:t>一切仇敵罪惡全勝過</a:t>
-            </a:r>
-            <a:endParaRPr lang="en-US" altLang="zh-TW" sz="5400" b="1" dirty="0">
-              <a:latin typeface="Microsoft JhengHei" panose="020B0604030504040204" pitchFamily="34" charset="-120"/>
-              <a:ea typeface="Microsoft JhengHei" panose="020B0604030504040204" pitchFamily="34" charset="-120"/>
-            </a:endParaRPr>
-          </a:p>
-          <a:p>
-            <a:pPr algn="ctr">
-              <a:buNone/>
-            </a:pPr>
-            <a:r>
-              <a:rPr lang="zh-TW" altLang="en-US" sz="5400" b="1" dirty="0">
-                <a:latin typeface="Microsoft JhengHei" panose="020B0604030504040204" pitchFamily="34" charset="-120"/>
-                <a:ea typeface="Microsoft JhengHei" panose="020B0604030504040204" pitchFamily="34" charset="-120"/>
-              </a:rPr>
-              <a:t>主耶穌復</a:t>
-            </a:r>
-            <a:r>
-              <a:rPr lang="zh-TW" altLang="en-US" sz="5400" b="1" dirty="0" smtClean="0">
-                <a:latin typeface="Microsoft JhengHei" panose="020B0604030504040204" pitchFamily="34" charset="-120"/>
-                <a:ea typeface="Microsoft JhengHei" panose="020B0604030504040204" pitchFamily="34" charset="-120"/>
-              </a:rPr>
-              <a:t>活</a:t>
-            </a:r>
-            <a:r>
-              <a:rPr lang="en-US" altLang="zh-TW" sz="5400" b="1" dirty="0">
-                <a:latin typeface="Microsoft JhengHei" panose="020B0604030504040204" pitchFamily="34" charset="-120"/>
-                <a:ea typeface="Microsoft JhengHei" panose="020B0604030504040204" pitchFamily="34" charset="-120"/>
-              </a:rPr>
-              <a:t> </a:t>
-            </a:r>
-            <a:r>
-              <a:rPr lang="en-US" altLang="zh-TW" sz="5400" b="1" dirty="0" smtClean="0">
-                <a:latin typeface="Microsoft JhengHei" panose="020B0604030504040204" pitchFamily="34" charset="-120"/>
-                <a:ea typeface="Microsoft JhengHei" panose="020B0604030504040204" pitchFamily="34" charset="-120"/>
-              </a:rPr>
-              <a:t> </a:t>
-            </a:r>
-            <a:r>
-              <a:rPr lang="zh-TW" altLang="en-US" sz="5400" b="1" dirty="0" smtClean="0">
-                <a:latin typeface="Microsoft JhengHei" panose="020B0604030504040204" pitchFamily="34" charset="-120"/>
-                <a:ea typeface="Microsoft JhengHei" panose="020B0604030504040204" pitchFamily="34" charset="-120"/>
-              </a:rPr>
-              <a:t>勝</a:t>
-            </a:r>
-            <a:r>
-              <a:rPr lang="zh-TW" altLang="en-US" sz="5400" b="1" dirty="0">
-                <a:latin typeface="Microsoft JhengHei" panose="020B0604030504040204" pitchFamily="34" charset="-120"/>
-                <a:ea typeface="Microsoft JhengHei" panose="020B0604030504040204" pitchFamily="34" charset="-120"/>
-              </a:rPr>
-              <a:t>過黑暗惡魔</a:t>
-            </a:r>
-            <a:endParaRPr lang="en-US" altLang="zh-TW" sz="5400" b="1" dirty="0">
-              <a:latin typeface="Microsoft JhengHei" panose="020B0604030504040204" pitchFamily="34" charset="-120"/>
-              <a:ea typeface="Microsoft JhengHei" panose="020B0604030504040204" pitchFamily="34" charset="-120"/>
-            </a:endParaRPr>
-          </a:p>
-          <a:p>
-            <a:pPr algn="ctr">
-              <a:buNone/>
-            </a:pPr>
-            <a:r>
-              <a:rPr lang="zh-TW" altLang="en-US" sz="5400" b="1" dirty="0">
-                <a:latin typeface="Microsoft JhengHei" panose="020B0604030504040204" pitchFamily="34" charset="-120"/>
-                <a:ea typeface="Microsoft JhengHei" panose="020B0604030504040204" pitchFamily="34" charset="-120"/>
-              </a:rPr>
-              <a:t>從此永與聖徒掌權在天</a:t>
-            </a:r>
-            <a:r>
-              <a:rPr lang="zh-TW" altLang="en-US" sz="5400" b="1" dirty="0" smtClean="0">
-                <a:latin typeface="Microsoft JhengHei" panose="020B0604030504040204" pitchFamily="34" charset="-120"/>
-                <a:ea typeface="Microsoft JhengHei" panose="020B0604030504040204" pitchFamily="34" charset="-120"/>
-              </a:rPr>
-              <a:t>國</a:t>
-            </a:r>
-            <a:endParaRPr lang="en-US" altLang="zh-TW" sz="5400" b="1" dirty="0" smtClean="0">
-              <a:latin typeface="Microsoft JhengHei" panose="020B0604030504040204" pitchFamily="34" charset="-120"/>
-              <a:ea typeface="Microsoft JhengHei" panose="020B0604030504040204" pitchFamily="34" charset="-120"/>
-            </a:endParaRPr>
-          </a:p>
-          <a:p>
-            <a:pPr algn="ctr">
-              <a:buNone/>
-            </a:pPr>
-            <a:r>
-              <a:rPr lang="zh-TW" altLang="en-US" sz="5400" b="1" dirty="0">
-                <a:latin typeface="Microsoft JhengHei" panose="020B0604030504040204" pitchFamily="34" charset="-120"/>
-                <a:ea typeface="Microsoft JhengHei" panose="020B0604030504040204" pitchFamily="34" charset="-120"/>
-              </a:rPr>
-              <a:t>主復活  主復</a:t>
-            </a:r>
-            <a:r>
-              <a:rPr lang="zh-TW" altLang="en-US" sz="5400" b="1" dirty="0" smtClean="0">
-                <a:latin typeface="Microsoft JhengHei" panose="020B0604030504040204" pitchFamily="34" charset="-120"/>
-                <a:ea typeface="Microsoft JhengHei" panose="020B0604030504040204" pitchFamily="34" charset="-120"/>
-              </a:rPr>
-              <a:t>活</a:t>
-            </a:r>
-            <a:r>
-              <a:rPr lang="en-US" altLang="zh-TW" sz="5400" b="1" dirty="0" smtClean="0">
-                <a:latin typeface="Microsoft JhengHei" panose="020B0604030504040204" pitchFamily="34" charset="-120"/>
-                <a:ea typeface="Microsoft JhengHei" panose="020B0604030504040204" pitchFamily="34" charset="-120"/>
-              </a:rPr>
-              <a:t>  </a:t>
-            </a:r>
-            <a:r>
-              <a:rPr lang="zh-TW" altLang="en-US" sz="5400" b="1" dirty="0" smtClean="0">
-                <a:latin typeface="Microsoft JhengHei" panose="020B0604030504040204" pitchFamily="34" charset="-120"/>
-                <a:ea typeface="Microsoft JhengHei" panose="020B0604030504040204" pitchFamily="34" charset="-120"/>
-              </a:rPr>
-              <a:t>哈</a:t>
-            </a:r>
-            <a:r>
-              <a:rPr lang="zh-TW" altLang="en-US" sz="5400" b="1" dirty="0">
-                <a:latin typeface="Microsoft JhengHei" panose="020B0604030504040204" pitchFamily="34" charset="-120"/>
-                <a:ea typeface="Microsoft JhengHei" panose="020B0604030504040204" pitchFamily="34" charset="-120"/>
-              </a:rPr>
-              <a:t>利路亞  主復活</a:t>
-            </a:r>
-          </a:p>
-          <a:p>
-            <a:pPr algn="ctr">
-              <a:buNone/>
-            </a:pPr>
-            <a:endParaRPr lang="zh-TW" altLang="en-US" sz="5400" dirty="0">
-              <a:latin typeface="Microsoft JhengHei" panose="020B0604030504040204" pitchFamily="34" charset="-120"/>
-              <a:ea typeface="Microsoft JhengHei" panose="020B0604030504040204" pitchFamily="34" charset="-120"/>
+              <a:rPr lang="zh-TW" altLang="en-US" sz="6400" b="1" dirty="0">
+                <a:solidFill>
+                  <a:srgbClr val="660033"/>
+                </a:solidFill>
+                <a:latin typeface="Microsoft JhengHei" panose="020B0604030504040204" pitchFamily="34" charset="-120"/>
+                <a:ea typeface="Microsoft JhengHei" panose="020B0604030504040204" pitchFamily="34" charset="-120"/>
+              </a:rPr>
+              <a:t>封石也歸虛</a:t>
+            </a:r>
+            <a:r>
+              <a:rPr lang="zh-TW" altLang="en-US" sz="6400" b="1" dirty="0">
+                <a:solidFill>
+                  <a:srgbClr val="660033"/>
+                </a:solidFill>
+                <a:latin typeface="Microsoft JhengHei" panose="020B0604030504040204" pitchFamily="34" charset="-120"/>
+                <a:ea typeface="Microsoft JhengHei" panose="020B0604030504040204" pitchFamily="34" charset="-120"/>
+              </a:rPr>
+              <a:t>空</a:t>
+            </a:r>
+            <a:r>
+              <a:rPr lang="en-US" altLang="zh-TW" sz="6400" b="1" dirty="0">
+                <a:solidFill>
+                  <a:srgbClr val="660033"/>
+                </a:solidFill>
+                <a:latin typeface="Microsoft JhengHei" panose="020B0604030504040204" pitchFamily="34" charset="-120"/>
+                <a:ea typeface="Microsoft JhengHei" panose="020B0604030504040204" pitchFamily="34" charset="-120"/>
+              </a:rPr>
+              <a:t>   </a:t>
+            </a:r>
+            <a:r>
+              <a:rPr lang="zh-TW" altLang="en-US" sz="6400" b="1" dirty="0">
+                <a:solidFill>
+                  <a:srgbClr val="660033"/>
+                </a:solidFill>
+                <a:latin typeface="Microsoft JhengHei" panose="020B0604030504040204" pitchFamily="34" charset="-120"/>
+                <a:ea typeface="Microsoft JhengHei" panose="020B0604030504040204" pitchFamily="34" charset="-120"/>
+              </a:rPr>
+              <a:t>耶</a:t>
+            </a:r>
+            <a:r>
+              <a:rPr lang="zh-TW" altLang="en-US" sz="6400" b="1" dirty="0">
+                <a:solidFill>
+                  <a:srgbClr val="660033"/>
+                </a:solidFill>
+                <a:latin typeface="Microsoft JhengHei" panose="020B0604030504040204" pitchFamily="34" charset="-120"/>
+                <a:ea typeface="Microsoft JhengHei" panose="020B0604030504040204" pitchFamily="34" charset="-120"/>
+              </a:rPr>
+              <a:t>穌我主</a:t>
+            </a:r>
+          </a:p>
+        </p:txBody>
+      </p:sp>
+      <p:sp>
+        <p:nvSpPr>
+          <p:cNvPr id="3" name="TextBox 2"/>
+          <p:cNvSpPr txBox="1"/>
+          <p:nvPr/>
+        </p:nvSpPr>
+        <p:spPr>
+          <a:xfrm>
+            <a:off x="0" y="5061182"/>
+            <a:ext cx="12192000" cy="830997"/>
+          </a:xfrm>
+          <a:prstGeom prst="rect">
+            <a:avLst/>
+          </a:prstGeom>
+          <a:noFill/>
+        </p:spPr>
+        <p:txBody>
+          <a:bodyPr wrap="square" rtlCol="0">
+            <a:spAutoFit/>
+          </a:bodyPr>
+          <a:lstStyle/>
+          <a:p>
+            <a:pPr algn="ctr"/>
+            <a:r>
+              <a:rPr lang="en-US" sz="4800" b="1" dirty="0">
+                <a:solidFill>
+                  <a:srgbClr val="660033"/>
+                </a:solidFill>
+              </a:rPr>
+              <a:t>( </a:t>
+            </a:r>
+            <a:r>
+              <a:rPr lang="en-US" sz="4800" b="1" dirty="0" smtClean="0">
+                <a:solidFill>
+                  <a:srgbClr val="660033"/>
+                </a:solidFill>
+              </a:rPr>
+              <a:t>2 </a:t>
+            </a:r>
+            <a:r>
+              <a:rPr lang="en-US" sz="4800" b="1" dirty="0">
+                <a:solidFill>
+                  <a:srgbClr val="660033"/>
+                </a:solidFill>
+              </a:rPr>
+              <a:t>)</a:t>
+            </a:r>
+            <a:endParaRPr lang="vi-VN" sz="4800" b="1" dirty="0">
+              <a:solidFill>
+                <a:srgbClr val="660033"/>
+              </a:solidFill>
             </a:endParaRPr>
           </a:p>
         </p:txBody>
@@ -4230,13 +4678,385 @@
     </p:spTree>
     <p:extLst>
       <p:ext uri="{BB962C8B-B14F-4D97-AF65-F5344CB8AC3E}">
-        <p14:creationId xmlns:p14="http://schemas.microsoft.com/office/powerpoint/2010/main" val="3449947613"/>
+        <p14:creationId xmlns:p14="http://schemas.microsoft.com/office/powerpoint/2010/main" val="4004193068"/>
       </p:ext>
     </p:extLst>
   </p:cSld>
   <p:clrMapOvr>
     <a:masterClrMapping/>
   </p:clrMapOvr>
+  <p:timing>
+    <p:tnLst>
+      <p:par>
+        <p:cTn id="1" dur="indefinite" restart="never" nodeType="tmRoot"/>
+      </p:par>
+    </p:tnLst>
+  </p:timing>
+</p:sld>
+</file>
+
+<file path=ppt/slides/slide7.xml><?xml version="1.0" encoding="utf-8"?>
+<p:sld xmlns:a="http://schemas.openxmlformats.org/drawingml/2006/main" xmlns:r="http://schemas.openxmlformats.org/officeDocument/2006/relationships" xmlns:p="http://schemas.openxmlformats.org/presentationml/2006/main">
+  <p:cSld>
+    <p:spTree>
+      <p:nvGrpSpPr>
+        <p:cNvPr id="1" name=""/>
+        <p:cNvGrpSpPr/>
+        <p:nvPr/>
+      </p:nvGrpSpPr>
+      <p:grpSpPr>
+        <a:xfrm>
+          <a:off x="0" y="0"/>
+          <a:ext cx="0" cy="0"/>
+          <a:chOff x="0" y="0"/>
+          <a:chExt cx="0" cy="0"/>
+        </a:xfrm>
+      </p:grpSpPr>
+      <p:sp>
+        <p:nvSpPr>
+          <p:cNvPr id="5" name="內容版面配置區 4"/>
+          <p:cNvSpPr>
+            <a:spLocks noGrp="1"/>
+          </p:cNvSpPr>
+          <p:nvPr>
+            <p:ph idx="1"/>
+          </p:nvPr>
+        </p:nvSpPr>
+        <p:spPr>
+          <a:xfrm>
+            <a:off x="0" y="2084851"/>
+            <a:ext cx="12192000" cy="2404863"/>
+          </a:xfrm>
+        </p:spPr>
+        <p:txBody>
+          <a:bodyPr anchor="ctr">
+            <a:normAutofit/>
+          </a:bodyPr>
+          <a:lstStyle/>
+          <a:p>
+            <a:pPr algn="ctr">
+              <a:buNone/>
+            </a:pPr>
+            <a:r>
+              <a:rPr lang="zh-TW" altLang="en-US" sz="6400" b="1" dirty="0">
+                <a:solidFill>
+                  <a:srgbClr val="660033"/>
+                </a:solidFill>
+                <a:latin typeface="Microsoft JhengHei" panose="020B0604030504040204" pitchFamily="34" charset="-120"/>
+                <a:ea typeface="Microsoft JhengHei" panose="020B0604030504040204" pitchFamily="34" charset="-120"/>
+              </a:rPr>
+              <a:t>主由墳墓裡復活</a:t>
+            </a:r>
+            <a:endParaRPr lang="en-US" altLang="zh-TW" sz="6400" b="1" dirty="0">
+              <a:solidFill>
+                <a:srgbClr val="660033"/>
+              </a:solidFill>
+              <a:latin typeface="Microsoft JhengHei" panose="020B0604030504040204" pitchFamily="34" charset="-120"/>
+              <a:ea typeface="Microsoft JhengHei" panose="020B0604030504040204" pitchFamily="34" charset="-120"/>
+            </a:endParaRPr>
+          </a:p>
+          <a:p>
+            <a:pPr algn="ctr">
+              <a:buNone/>
+            </a:pPr>
+            <a:r>
+              <a:rPr lang="zh-TW" altLang="en-US" sz="6400" b="1" dirty="0">
+                <a:solidFill>
+                  <a:srgbClr val="660033"/>
+                </a:solidFill>
+                <a:latin typeface="Microsoft JhengHei" panose="020B0604030504040204" pitchFamily="34" charset="-120"/>
+                <a:ea typeface="Microsoft JhengHei" panose="020B0604030504040204" pitchFamily="34" charset="-120"/>
+              </a:rPr>
+              <a:t>一切仇敵罪惡全勝過</a:t>
+            </a:r>
+            <a:endParaRPr lang="en-US" altLang="zh-TW" sz="6400" b="1" dirty="0">
+              <a:solidFill>
+                <a:srgbClr val="660033"/>
+              </a:solidFill>
+              <a:latin typeface="Microsoft JhengHei" panose="020B0604030504040204" pitchFamily="34" charset="-120"/>
+              <a:ea typeface="Microsoft JhengHei" panose="020B0604030504040204" pitchFamily="34" charset="-120"/>
+            </a:endParaRPr>
+          </a:p>
+        </p:txBody>
+      </p:sp>
+    </p:spTree>
+    <p:extLst>
+      <p:ext uri="{BB962C8B-B14F-4D97-AF65-F5344CB8AC3E}">
+        <p14:creationId xmlns:p14="http://schemas.microsoft.com/office/powerpoint/2010/main" val="1573949531"/>
+      </p:ext>
+    </p:extLst>
+  </p:cSld>
+  <p:clrMapOvr>
+    <a:masterClrMapping/>
+  </p:clrMapOvr>
+  <p:timing>
+    <p:tnLst>
+      <p:par>
+        <p:cTn id="1" dur="indefinite" restart="never" nodeType="tmRoot"/>
+      </p:par>
+    </p:tnLst>
+  </p:timing>
+</p:sld>
+</file>
+
+<file path=ppt/slides/slide8.xml><?xml version="1.0" encoding="utf-8"?>
+<p:sld xmlns:a="http://schemas.openxmlformats.org/drawingml/2006/main" xmlns:r="http://schemas.openxmlformats.org/officeDocument/2006/relationships" xmlns:p="http://schemas.openxmlformats.org/presentationml/2006/main">
+  <p:cSld>
+    <p:spTree>
+      <p:nvGrpSpPr>
+        <p:cNvPr id="1" name=""/>
+        <p:cNvGrpSpPr/>
+        <p:nvPr/>
+      </p:nvGrpSpPr>
+      <p:grpSpPr>
+        <a:xfrm>
+          <a:off x="0" y="0"/>
+          <a:ext cx="0" cy="0"/>
+          <a:chOff x="0" y="0"/>
+          <a:chExt cx="0" cy="0"/>
+        </a:xfrm>
+      </p:grpSpPr>
+      <p:sp>
+        <p:nvSpPr>
+          <p:cNvPr id="5" name="內容版面配置區 4"/>
+          <p:cNvSpPr>
+            <a:spLocks noGrp="1"/>
+          </p:cNvSpPr>
+          <p:nvPr>
+            <p:ph idx="1"/>
+          </p:nvPr>
+        </p:nvSpPr>
+        <p:spPr>
+          <a:xfrm>
+            <a:off x="0" y="2084851"/>
+            <a:ext cx="12192000" cy="2404863"/>
+          </a:xfrm>
+        </p:spPr>
+        <p:txBody>
+          <a:bodyPr anchor="ctr">
+            <a:normAutofit/>
+          </a:bodyPr>
+          <a:lstStyle/>
+          <a:p>
+            <a:pPr algn="ctr">
+              <a:buNone/>
+            </a:pPr>
+            <a:r>
+              <a:rPr lang="zh-TW" altLang="en-US" sz="6400" b="1" dirty="0">
+                <a:solidFill>
+                  <a:srgbClr val="660033"/>
+                </a:solidFill>
+                <a:latin typeface="Microsoft JhengHei" panose="020B0604030504040204" pitchFamily="34" charset="-120"/>
+                <a:ea typeface="Microsoft JhengHei" panose="020B0604030504040204" pitchFamily="34" charset="-120"/>
+              </a:rPr>
+              <a:t>主耶穌復活</a:t>
+            </a:r>
+            <a:r>
+              <a:rPr lang="en-US" altLang="zh-TW" sz="6400" b="1" dirty="0">
+                <a:solidFill>
+                  <a:srgbClr val="660033"/>
+                </a:solidFill>
+                <a:latin typeface="Microsoft JhengHei" panose="020B0604030504040204" pitchFamily="34" charset="-120"/>
+                <a:ea typeface="Microsoft JhengHei" panose="020B0604030504040204" pitchFamily="34" charset="-120"/>
+              </a:rPr>
+              <a:t>  </a:t>
+            </a:r>
+            <a:r>
+              <a:rPr lang="en-US" altLang="zh-TW" sz="6400" b="1" dirty="0">
+                <a:solidFill>
+                  <a:srgbClr val="660033"/>
+                </a:solidFill>
+                <a:latin typeface="Microsoft JhengHei" panose="020B0604030504040204" pitchFamily="34" charset="-120"/>
+                <a:ea typeface="Microsoft JhengHei" panose="020B0604030504040204" pitchFamily="34" charset="-120"/>
+              </a:rPr>
+              <a:t> </a:t>
+            </a:r>
+            <a:r>
+              <a:rPr lang="zh-TW" altLang="en-US" sz="6400" b="1" dirty="0">
+                <a:solidFill>
+                  <a:srgbClr val="660033"/>
+                </a:solidFill>
+                <a:latin typeface="Microsoft JhengHei" panose="020B0604030504040204" pitchFamily="34" charset="-120"/>
+                <a:ea typeface="Microsoft JhengHei" panose="020B0604030504040204" pitchFamily="34" charset="-120"/>
+              </a:rPr>
+              <a:t>勝</a:t>
+            </a:r>
+            <a:r>
+              <a:rPr lang="zh-TW" altLang="en-US" sz="6400" b="1" dirty="0">
+                <a:solidFill>
+                  <a:srgbClr val="660033"/>
+                </a:solidFill>
+                <a:latin typeface="Microsoft JhengHei" panose="020B0604030504040204" pitchFamily="34" charset="-120"/>
+                <a:ea typeface="Microsoft JhengHei" panose="020B0604030504040204" pitchFamily="34" charset="-120"/>
+              </a:rPr>
+              <a:t>過黑暗惡魔</a:t>
+            </a:r>
+            <a:endParaRPr lang="en-US" altLang="zh-TW" sz="6400" b="1" dirty="0">
+              <a:solidFill>
+                <a:srgbClr val="660033"/>
+              </a:solidFill>
+              <a:latin typeface="Microsoft JhengHei" panose="020B0604030504040204" pitchFamily="34" charset="-120"/>
+              <a:ea typeface="Microsoft JhengHei" panose="020B0604030504040204" pitchFamily="34" charset="-120"/>
+            </a:endParaRPr>
+          </a:p>
+          <a:p>
+            <a:pPr algn="ctr">
+              <a:buNone/>
+            </a:pPr>
+            <a:r>
+              <a:rPr lang="zh-TW" altLang="en-US" sz="6400" b="1" dirty="0">
+                <a:solidFill>
+                  <a:srgbClr val="660033"/>
+                </a:solidFill>
+                <a:latin typeface="Microsoft JhengHei" panose="020B0604030504040204" pitchFamily="34" charset="-120"/>
+                <a:ea typeface="Microsoft JhengHei" panose="020B0604030504040204" pitchFamily="34" charset="-120"/>
+              </a:rPr>
+              <a:t>從此永與聖徒掌權在天國</a:t>
+            </a:r>
+            <a:endParaRPr lang="en-US" altLang="zh-TW" sz="6400" b="1" dirty="0">
+              <a:solidFill>
+                <a:srgbClr val="660033"/>
+              </a:solidFill>
+              <a:latin typeface="Microsoft JhengHei" panose="020B0604030504040204" pitchFamily="34" charset="-120"/>
+              <a:ea typeface="Microsoft JhengHei" panose="020B0604030504040204" pitchFamily="34" charset="-120"/>
+            </a:endParaRPr>
+          </a:p>
+        </p:txBody>
+      </p:sp>
+    </p:spTree>
+    <p:extLst>
+      <p:ext uri="{BB962C8B-B14F-4D97-AF65-F5344CB8AC3E}">
+        <p14:creationId xmlns:p14="http://schemas.microsoft.com/office/powerpoint/2010/main" val="2563946261"/>
+      </p:ext>
+    </p:extLst>
+  </p:cSld>
+  <p:clrMapOvr>
+    <a:masterClrMapping/>
+  </p:clrMapOvr>
+  <p:timing>
+    <p:tnLst>
+      <p:par>
+        <p:cTn id="1" dur="indefinite" restart="never" nodeType="tmRoot"/>
+      </p:par>
+    </p:tnLst>
+  </p:timing>
+</p:sld>
+</file>
+
+<file path=ppt/slides/slide9.xml><?xml version="1.0" encoding="utf-8"?>
+<p:sld xmlns:a="http://schemas.openxmlformats.org/drawingml/2006/main" xmlns:r="http://schemas.openxmlformats.org/officeDocument/2006/relationships" xmlns:p="http://schemas.openxmlformats.org/presentationml/2006/main">
+  <p:cSld>
+    <p:spTree>
+      <p:nvGrpSpPr>
+        <p:cNvPr id="1" name=""/>
+        <p:cNvGrpSpPr/>
+        <p:nvPr/>
+      </p:nvGrpSpPr>
+      <p:grpSpPr>
+        <a:xfrm>
+          <a:off x="0" y="0"/>
+          <a:ext cx="0" cy="0"/>
+          <a:chOff x="0" y="0"/>
+          <a:chExt cx="0" cy="0"/>
+        </a:xfrm>
+      </p:grpSpPr>
+      <p:sp>
+        <p:nvSpPr>
+          <p:cNvPr id="5" name="內容版面配置區 4"/>
+          <p:cNvSpPr>
+            <a:spLocks noGrp="1"/>
+          </p:cNvSpPr>
+          <p:nvPr>
+            <p:ph idx="1"/>
+          </p:nvPr>
+        </p:nvSpPr>
+        <p:spPr>
+          <a:xfrm>
+            <a:off x="0" y="2084851"/>
+            <a:ext cx="12192000" cy="2404863"/>
+          </a:xfrm>
+        </p:spPr>
+        <p:txBody>
+          <a:bodyPr anchor="ctr">
+            <a:normAutofit/>
+          </a:bodyPr>
+          <a:lstStyle/>
+          <a:p>
+            <a:pPr algn="ctr">
+              <a:buNone/>
+            </a:pPr>
+            <a:r>
+              <a:rPr lang="zh-TW" altLang="en-US" sz="6400" b="1" dirty="0">
+                <a:solidFill>
+                  <a:srgbClr val="660033"/>
+                </a:solidFill>
+                <a:latin typeface="Microsoft JhengHei" panose="020B0604030504040204" pitchFamily="34" charset="-120"/>
+                <a:ea typeface="Microsoft JhengHei" panose="020B0604030504040204" pitchFamily="34" charset="-120"/>
+              </a:rPr>
+              <a:t>主復活  主復</a:t>
+            </a:r>
+            <a:r>
+              <a:rPr lang="zh-TW" altLang="en-US" sz="6400" b="1" dirty="0">
+                <a:solidFill>
+                  <a:srgbClr val="660033"/>
+                </a:solidFill>
+                <a:latin typeface="Microsoft JhengHei" panose="020B0604030504040204" pitchFamily="34" charset="-120"/>
+                <a:ea typeface="Microsoft JhengHei" panose="020B0604030504040204" pitchFamily="34" charset="-120"/>
+              </a:rPr>
+              <a:t>活</a:t>
+            </a:r>
+            <a:endParaRPr lang="en-US" altLang="zh-TW" sz="6400" b="1" dirty="0">
+              <a:solidFill>
+                <a:srgbClr val="660033"/>
+              </a:solidFill>
+              <a:latin typeface="Microsoft JhengHei" panose="020B0604030504040204" pitchFamily="34" charset="-120"/>
+              <a:ea typeface="Microsoft JhengHei" panose="020B0604030504040204" pitchFamily="34" charset="-120"/>
+            </a:endParaRPr>
+          </a:p>
+          <a:p>
+            <a:pPr algn="ctr">
+              <a:buNone/>
+            </a:pPr>
+            <a:r>
+              <a:rPr lang="zh-TW" altLang="en-US" sz="6400" b="1" dirty="0">
+                <a:solidFill>
+                  <a:srgbClr val="660033"/>
+                </a:solidFill>
+                <a:latin typeface="Microsoft JhengHei" panose="020B0604030504040204" pitchFamily="34" charset="-120"/>
+                <a:ea typeface="Microsoft JhengHei" panose="020B0604030504040204" pitchFamily="34" charset="-120"/>
+              </a:rPr>
+              <a:t>哈</a:t>
+            </a:r>
+            <a:r>
+              <a:rPr lang="zh-TW" altLang="en-US" sz="6400" b="1" dirty="0">
+                <a:solidFill>
+                  <a:srgbClr val="660033"/>
+                </a:solidFill>
+                <a:latin typeface="Microsoft JhengHei" panose="020B0604030504040204" pitchFamily="34" charset="-120"/>
+                <a:ea typeface="Microsoft JhengHei" panose="020B0604030504040204" pitchFamily="34" charset="-120"/>
+              </a:rPr>
+              <a:t>利路亞  主復活</a:t>
+            </a:r>
+          </a:p>
+        </p:txBody>
+      </p:sp>
+    </p:spTree>
+    <p:extLst>
+      <p:ext uri="{BB962C8B-B14F-4D97-AF65-F5344CB8AC3E}">
+        <p14:creationId xmlns:p14="http://schemas.microsoft.com/office/powerpoint/2010/main" val="3225630025"/>
+      </p:ext>
+    </p:extLst>
+  </p:cSld>
+  <p:clrMapOvr>
+    <a:masterClrMapping/>
+  </p:clrMapOvr>
+  <p:timing>
+    <p:tnLst>
+      <p:par>
+        <p:cTn id="1" dur="indefinite" restart="never" nodeType="tmRoot"/>
+      </p:par>
+    </p:tnLst>
+  </p:timing>
 </p:sld>
 </file>
 

--- a/宣道詩/(宣道詩284)主由墳墓裡復活.pptx
+++ b/宣道詩/(宣道詩284)主由墳墓裡復活.pptx
@@ -316,7 +316,7 @@
           <a:p>
             <a:fld id="{39791B63-5384-4D93-BE21-63F47D41B8DE}" type="datetimeFigureOut">
               <a:rPr lang="zh-TW" altLang="en-US" smtClean="0"/>
-              <a:t>2022/4/16</a:t>
+              <a:t>2023/4/8</a:t>
             </a:fld>
             <a:endParaRPr lang="zh-TW" altLang="en-US"/>
           </a:p>
@@ -486,7 +486,7 @@
           <a:p>
             <a:fld id="{39791B63-5384-4D93-BE21-63F47D41B8DE}" type="datetimeFigureOut">
               <a:rPr lang="zh-TW" altLang="en-US" smtClean="0"/>
-              <a:t>2022/4/16</a:t>
+              <a:t>2023/4/8</a:t>
             </a:fld>
             <a:endParaRPr lang="zh-TW" altLang="en-US"/>
           </a:p>
@@ -666,7 +666,7 @@
           <a:p>
             <a:fld id="{39791B63-5384-4D93-BE21-63F47D41B8DE}" type="datetimeFigureOut">
               <a:rPr lang="zh-TW" altLang="en-US" smtClean="0"/>
-              <a:t>2022/4/16</a:t>
+              <a:t>2023/4/8</a:t>
             </a:fld>
             <a:endParaRPr lang="zh-TW" altLang="en-US"/>
           </a:p>
@@ -836,7 +836,7 @@
           <a:p>
             <a:fld id="{39791B63-5384-4D93-BE21-63F47D41B8DE}" type="datetimeFigureOut">
               <a:rPr lang="zh-TW" altLang="en-US" smtClean="0"/>
-              <a:t>2022/4/16</a:t>
+              <a:t>2023/4/8</a:t>
             </a:fld>
             <a:endParaRPr lang="zh-TW" altLang="en-US"/>
           </a:p>
@@ -1082,7 +1082,7 @@
           <a:p>
             <a:fld id="{39791B63-5384-4D93-BE21-63F47D41B8DE}" type="datetimeFigureOut">
               <a:rPr lang="zh-TW" altLang="en-US" smtClean="0"/>
-              <a:t>2022/4/16</a:t>
+              <a:t>2023/4/8</a:t>
             </a:fld>
             <a:endParaRPr lang="zh-TW" altLang="en-US"/>
           </a:p>
@@ -1370,7 +1370,7 @@
           <a:p>
             <a:fld id="{39791B63-5384-4D93-BE21-63F47D41B8DE}" type="datetimeFigureOut">
               <a:rPr lang="zh-TW" altLang="en-US" smtClean="0"/>
-              <a:t>2022/4/16</a:t>
+              <a:t>2023/4/8</a:t>
             </a:fld>
             <a:endParaRPr lang="zh-TW" altLang="en-US"/>
           </a:p>
@@ -1792,7 +1792,7 @@
           <a:p>
             <a:fld id="{39791B63-5384-4D93-BE21-63F47D41B8DE}" type="datetimeFigureOut">
               <a:rPr lang="zh-TW" altLang="en-US" smtClean="0"/>
-              <a:t>2022/4/16</a:t>
+              <a:t>2023/4/8</a:t>
             </a:fld>
             <a:endParaRPr lang="zh-TW" altLang="en-US"/>
           </a:p>
@@ -1910,7 +1910,7 @@
           <a:p>
             <a:fld id="{39791B63-5384-4D93-BE21-63F47D41B8DE}" type="datetimeFigureOut">
               <a:rPr lang="zh-TW" altLang="en-US" smtClean="0"/>
-              <a:t>2022/4/16</a:t>
+              <a:t>2023/4/8</a:t>
             </a:fld>
             <a:endParaRPr lang="zh-TW" altLang="en-US"/>
           </a:p>
@@ -2005,7 +2005,7 @@
           <a:p>
             <a:fld id="{39791B63-5384-4D93-BE21-63F47D41B8DE}" type="datetimeFigureOut">
               <a:rPr lang="zh-TW" altLang="en-US" smtClean="0"/>
-              <a:t>2022/4/16</a:t>
+              <a:t>2023/4/8</a:t>
             </a:fld>
             <a:endParaRPr lang="zh-TW" altLang="en-US"/>
           </a:p>
@@ -2282,7 +2282,7 @@
           <a:p>
             <a:fld id="{39791B63-5384-4D93-BE21-63F47D41B8DE}" type="datetimeFigureOut">
               <a:rPr lang="zh-TW" altLang="en-US" smtClean="0"/>
-              <a:t>2022/4/16</a:t>
+              <a:t>2023/4/8</a:t>
             </a:fld>
             <a:endParaRPr lang="zh-TW" altLang="en-US"/>
           </a:p>
@@ -2539,7 +2539,7 @@
           <a:p>
             <a:fld id="{39791B63-5384-4D93-BE21-63F47D41B8DE}" type="datetimeFigureOut">
               <a:rPr lang="zh-TW" altLang="en-US" smtClean="0"/>
-              <a:t>2022/4/16</a:t>
+              <a:t>2023/4/8</a:t>
             </a:fld>
             <a:endParaRPr lang="zh-TW" altLang="en-US"/>
           </a:p>
@@ -2757,7 +2757,7 @@
           <a:p>
             <a:fld id="{39791B63-5384-4D93-BE21-63F47D41B8DE}" type="datetimeFigureOut">
               <a:rPr lang="zh-TW" altLang="en-US" smtClean="0"/>
-              <a:t>2022/4/16</a:t>
+              <a:t>2023/4/8</a:t>
             </a:fld>
             <a:endParaRPr lang="zh-TW" altLang="en-US"/>
           </a:p>
@@ -3328,47 +3328,27 @@
                 <a:latin typeface="Microsoft JhengHei" panose="020B0604030504040204" pitchFamily="34" charset="-120"/>
                 <a:ea typeface="Microsoft JhengHei" panose="020B0604030504040204" pitchFamily="34" charset="-120"/>
               </a:rPr>
-              <a:t>死權不能捆</a:t>
-            </a:r>
-            <a:r>
-              <a:rPr lang="zh-TW" altLang="en-US" sz="6400" b="1" dirty="0">
+              <a:t>死權不能捆主</a:t>
+            </a:r>
+            <a:r>
+              <a:rPr lang="en-US" altLang="zh-TW" sz="6400" b="1" dirty="0">
                 <a:solidFill>
                   <a:srgbClr val="660033"/>
                 </a:solidFill>
                 <a:latin typeface="Microsoft JhengHei" panose="020B0604030504040204" pitchFamily="34" charset="-120"/>
                 <a:ea typeface="Microsoft JhengHei" panose="020B0604030504040204" pitchFamily="34" charset="-120"/>
               </a:rPr>
-              <a:t>主</a:t>
-            </a:r>
-            <a:r>
-              <a:rPr lang="en-US" altLang="zh-TW" sz="6400" b="1" dirty="0">
+              <a:t>   </a:t>
+            </a:r>
+            <a:r>
+              <a:rPr lang="zh-TW" altLang="en-US" sz="6400" b="1" dirty="0">
                 <a:solidFill>
                   <a:srgbClr val="660033"/>
                 </a:solidFill>
                 <a:latin typeface="Microsoft JhengHei" panose="020B0604030504040204" pitchFamily="34" charset="-120"/>
                 <a:ea typeface="Microsoft JhengHei" panose="020B0604030504040204" pitchFamily="34" charset="-120"/>
               </a:rPr>
-              <a:t>   </a:t>
-            </a:r>
-            <a:r>
-              <a:rPr lang="zh-TW" altLang="en-US" sz="6400" b="1" dirty="0">
-                <a:solidFill>
-                  <a:srgbClr val="660033"/>
-                </a:solidFill>
-                <a:latin typeface="Microsoft JhengHei" panose="020B0604030504040204" pitchFamily="34" charset="-120"/>
-                <a:ea typeface="Microsoft JhengHei" panose="020B0604030504040204" pitchFamily="34" charset="-120"/>
-              </a:rPr>
-              <a:t>耶</a:t>
-            </a:r>
-            <a:r>
-              <a:rPr lang="zh-TW" altLang="en-US" sz="6400" b="1" dirty="0">
-                <a:solidFill>
-                  <a:srgbClr val="660033"/>
-                </a:solidFill>
-                <a:latin typeface="Microsoft JhengHei" panose="020B0604030504040204" pitchFamily="34" charset="-120"/>
-                <a:ea typeface="Microsoft JhengHei" panose="020B0604030504040204" pitchFamily="34" charset="-120"/>
-              </a:rPr>
-              <a:t>穌我救主</a:t>
+              <a:t>耶穌我救主</a:t>
             </a:r>
             <a:endParaRPr lang="en-US" altLang="zh-TW" sz="6400" b="1" dirty="0">
               <a:solidFill>
@@ -3390,47 +3370,27 @@
                 <a:latin typeface="Microsoft JhengHei" panose="020B0604030504040204" pitchFamily="34" charset="-120"/>
                 <a:ea typeface="Microsoft JhengHei" panose="020B0604030504040204" pitchFamily="34" charset="-120"/>
               </a:rPr>
-              <a:t>破壞地獄牢</a:t>
-            </a:r>
-            <a:r>
-              <a:rPr lang="zh-TW" altLang="en-US" sz="6400" b="1" dirty="0">
+              <a:t>破壞地獄牢困</a:t>
+            </a:r>
+            <a:r>
+              <a:rPr lang="en-US" altLang="zh-TW" sz="6400" b="1" dirty="0">
                 <a:solidFill>
                   <a:srgbClr val="660033"/>
                 </a:solidFill>
                 <a:latin typeface="Microsoft JhengHei" panose="020B0604030504040204" pitchFamily="34" charset="-120"/>
                 <a:ea typeface="Microsoft JhengHei" panose="020B0604030504040204" pitchFamily="34" charset="-120"/>
               </a:rPr>
-              <a:t>困</a:t>
-            </a:r>
-            <a:r>
-              <a:rPr lang="en-US" altLang="zh-TW" sz="6400" b="1" dirty="0">
+              <a:t>   </a:t>
+            </a:r>
+            <a:r>
+              <a:rPr lang="zh-TW" altLang="en-US" sz="6400" b="1" dirty="0">
                 <a:solidFill>
                   <a:srgbClr val="660033"/>
                 </a:solidFill>
                 <a:latin typeface="Microsoft JhengHei" panose="020B0604030504040204" pitchFamily="34" charset="-120"/>
                 <a:ea typeface="Microsoft JhengHei" panose="020B0604030504040204" pitchFamily="34" charset="-120"/>
               </a:rPr>
-              <a:t>   </a:t>
-            </a:r>
-            <a:r>
-              <a:rPr lang="zh-TW" altLang="en-US" sz="6400" b="1" dirty="0">
-                <a:solidFill>
-                  <a:srgbClr val="660033"/>
-                </a:solidFill>
-                <a:latin typeface="Microsoft JhengHei" panose="020B0604030504040204" pitchFamily="34" charset="-120"/>
-                <a:ea typeface="Microsoft JhengHei" panose="020B0604030504040204" pitchFamily="34" charset="-120"/>
-              </a:rPr>
-              <a:t>耶</a:t>
-            </a:r>
-            <a:r>
-              <a:rPr lang="zh-TW" altLang="en-US" sz="6400" b="1" dirty="0">
-                <a:solidFill>
-                  <a:srgbClr val="660033"/>
-                </a:solidFill>
-                <a:latin typeface="Microsoft JhengHei" panose="020B0604030504040204" pitchFamily="34" charset="-120"/>
-                <a:ea typeface="Microsoft JhengHei" panose="020B0604030504040204" pitchFamily="34" charset="-120"/>
-              </a:rPr>
-              <a:t>穌我主</a:t>
+              <a:t>耶穌我主</a:t>
             </a:r>
           </a:p>
         </p:txBody>
@@ -3444,7 +3404,7 @@
         <p:spPr>
           <a:xfrm>
             <a:off x="0" y="5061182"/>
-            <a:ext cx="12192000" cy="830997"/>
+            <a:ext cx="12192000" cy="707886"/>
           </a:xfrm>
           <a:prstGeom prst="rect">
             <a:avLst/>
@@ -3459,7 +3419,7 @@
           <a:p>
             <a:pPr algn="ctr"/>
             <a:r>
-              <a:rPr lang="en-US" sz="4800" b="1" dirty="0">
+              <a:rPr lang="en-US" sz="4000" b="1" dirty="0">
                 <a:solidFill>
                   <a:srgbClr val="660033"/>
                 </a:solidFill>
@@ -3467,7 +3427,7 @@
               <a:t>( </a:t>
             </a:r>
             <a:r>
-              <a:rPr lang="en-US" sz="4800" b="1" dirty="0" smtClean="0">
+              <a:rPr lang="en-US" sz="4000" b="1" dirty="0">
                 <a:solidFill>
                   <a:srgbClr val="660033"/>
                 </a:solidFill>
@@ -3475,14 +3435,14 @@
               <a:t>3 </a:t>
             </a:r>
             <a:r>
-              <a:rPr lang="en-US" sz="4800" b="1" dirty="0">
-                <a:solidFill>
-                  <a:srgbClr val="660033"/>
-                </a:solidFill>
-              </a:rPr>
-              <a:t>)</a:t>
-            </a:r>
-            <a:endParaRPr lang="vi-VN" sz="4800" b="1" dirty="0">
+              <a:rPr lang="en-US" sz="4000" b="1" dirty="0">
+                <a:solidFill>
+                  <a:srgbClr val="660033"/>
+                </a:solidFill>
+              </a:rPr>
+              <a:t>/ 3 )</a:t>
+            </a:r>
+            <a:endParaRPr lang="vi-VN" sz="4000" b="1" dirty="0">
               <a:solidFill>
                 <a:srgbClr val="660033"/>
               </a:solidFill>
@@ -3674,37 +3634,17 @@
                 <a:latin typeface="Microsoft JhengHei" panose="020B0604030504040204" pitchFamily="34" charset="-120"/>
                 <a:ea typeface="Microsoft JhengHei" panose="020B0604030504040204" pitchFamily="34" charset="-120"/>
               </a:rPr>
-              <a:t>  </a:t>
-            </a:r>
-            <a:r>
-              <a:rPr lang="en-US" altLang="zh-TW" sz="6400" b="1" dirty="0">
+              <a:t>   </a:t>
+            </a:r>
+            <a:r>
+              <a:rPr lang="zh-TW" altLang="en-US" sz="6400" b="1" dirty="0">
                 <a:solidFill>
                   <a:srgbClr val="660033"/>
                 </a:solidFill>
                 <a:latin typeface="Microsoft JhengHei" panose="020B0604030504040204" pitchFamily="34" charset="-120"/>
                 <a:ea typeface="Microsoft JhengHei" panose="020B0604030504040204" pitchFamily="34" charset="-120"/>
               </a:rPr>
-              <a:t> </a:t>
-            </a:r>
-            <a:r>
-              <a:rPr lang="zh-TW" altLang="en-US" sz="6400" b="1" dirty="0">
-                <a:solidFill>
-                  <a:srgbClr val="660033"/>
-                </a:solidFill>
-                <a:latin typeface="Microsoft JhengHei" panose="020B0604030504040204" pitchFamily="34" charset="-120"/>
-                <a:ea typeface="Microsoft JhengHei" panose="020B0604030504040204" pitchFamily="34" charset="-120"/>
-              </a:rPr>
-              <a:t>勝</a:t>
-            </a:r>
-            <a:r>
-              <a:rPr lang="zh-TW" altLang="en-US" sz="6400" b="1" dirty="0">
-                <a:solidFill>
-                  <a:srgbClr val="660033"/>
-                </a:solidFill>
-                <a:latin typeface="Microsoft JhengHei" panose="020B0604030504040204" pitchFamily="34" charset="-120"/>
-                <a:ea typeface="Microsoft JhengHei" panose="020B0604030504040204" pitchFamily="34" charset="-120"/>
-              </a:rPr>
-              <a:t>過黑暗惡魔</a:t>
+              <a:t>勝過黑暗惡魔</a:t>
             </a:r>
             <a:endParaRPr lang="en-US" altLang="zh-TW" sz="6400" b="1" dirty="0">
               <a:solidFill>
@@ -3808,17 +3748,7 @@
                 <a:latin typeface="Microsoft JhengHei" panose="020B0604030504040204" pitchFamily="34" charset="-120"/>
                 <a:ea typeface="Microsoft JhengHei" panose="020B0604030504040204" pitchFamily="34" charset="-120"/>
               </a:rPr>
-              <a:t>主復活  主復</a:t>
-            </a:r>
-            <a:r>
-              <a:rPr lang="zh-TW" altLang="en-US" sz="6400" b="1" dirty="0">
-                <a:solidFill>
-                  <a:srgbClr val="660033"/>
-                </a:solidFill>
-                <a:latin typeface="Microsoft JhengHei" panose="020B0604030504040204" pitchFamily="34" charset="-120"/>
-                <a:ea typeface="Microsoft JhengHei" panose="020B0604030504040204" pitchFamily="34" charset="-120"/>
-              </a:rPr>
-              <a:t>活</a:t>
+              <a:t>主復活  主復活</a:t>
             </a:r>
             <a:endParaRPr lang="en-US" altLang="zh-TW" sz="6400" b="1" dirty="0">
               <a:solidFill>
@@ -3840,17 +3770,7 @@
                 <a:latin typeface="Microsoft JhengHei" panose="020B0604030504040204" pitchFamily="34" charset="-120"/>
                 <a:ea typeface="Microsoft JhengHei" panose="020B0604030504040204" pitchFamily="34" charset="-120"/>
               </a:rPr>
-              <a:t>哈</a:t>
-            </a:r>
-            <a:r>
-              <a:rPr lang="zh-TW" altLang="en-US" sz="6400" b="1" dirty="0">
-                <a:solidFill>
-                  <a:srgbClr val="660033"/>
-                </a:solidFill>
-                <a:latin typeface="Microsoft JhengHei" panose="020B0604030504040204" pitchFamily="34" charset="-120"/>
-                <a:ea typeface="Microsoft JhengHei" panose="020B0604030504040204" pitchFamily="34" charset="-120"/>
-              </a:rPr>
-              <a:t>利路亞  主復活</a:t>
+              <a:t>哈利路亞  主復活</a:t>
             </a:r>
           </a:p>
         </p:txBody>
@@ -4029,13 +3949,6 @@
               </a:rPr>
               <a:t>穌我主</a:t>
             </a:r>
-            <a:endParaRPr lang="zh-TW" altLang="en-US" sz="6400" b="1" dirty="0">
-              <a:solidFill>
-                <a:srgbClr val="660033"/>
-              </a:solidFill>
-              <a:latin typeface="Microsoft JhengHei" panose="020B0604030504040204" pitchFamily="34" charset="-120"/>
-              <a:ea typeface="Microsoft JhengHei" panose="020B0604030504040204" pitchFamily="34" charset="-120"/>
-            </a:endParaRPr>
           </a:p>
         </p:txBody>
       </p:sp>
@@ -4048,7 +3961,7 @@
         <p:spPr>
           <a:xfrm>
             <a:off x="0" y="5061182"/>
-            <a:ext cx="12192000" cy="830997"/>
+            <a:ext cx="12192000" cy="707886"/>
           </a:xfrm>
           <a:prstGeom prst="rect">
             <a:avLst/>
@@ -4063,14 +3976,30 @@
           <a:p>
             <a:pPr algn="ctr"/>
             <a:r>
-              <a:rPr lang="en-US" sz="4800" b="1" dirty="0">
-                <a:solidFill>
-                  <a:srgbClr val="660033"/>
-                </a:solidFill>
-              </a:rPr>
-              <a:t>( 1 )</a:t>
-            </a:r>
-            <a:endParaRPr lang="vi-VN" sz="4800" b="1" dirty="0">
+              <a:rPr lang="en-US" sz="4000" b="1" dirty="0">
+                <a:solidFill>
+                  <a:srgbClr val="660033"/>
+                </a:solidFill>
+              </a:rPr>
+              <a:t>( </a:t>
+            </a:r>
+            <a:r>
+              <a:rPr lang="en-US" sz="4000" b="1" dirty="0" smtClean="0">
+                <a:solidFill>
+                  <a:srgbClr val="660033"/>
+                </a:solidFill>
+              </a:rPr>
+              <a:t>1 / 3 </a:t>
+            </a:r>
+            <a:r>
+              <a:rPr lang="en-US" sz="4000" b="1" dirty="0">
+                <a:solidFill>
+                  <a:srgbClr val="660033"/>
+                </a:solidFill>
+              </a:rPr>
+              <a:t>)</a:t>
+            </a:r>
+            <a:endParaRPr lang="vi-VN" sz="4000" b="1" dirty="0">
               <a:solidFill>
                 <a:srgbClr val="660033"/>
               </a:solidFill>
@@ -4262,37 +4191,17 @@
                 <a:latin typeface="Microsoft JhengHei" panose="020B0604030504040204" pitchFamily="34" charset="-120"/>
                 <a:ea typeface="Microsoft JhengHei" panose="020B0604030504040204" pitchFamily="34" charset="-120"/>
               </a:rPr>
-              <a:t>  </a:t>
-            </a:r>
-            <a:r>
-              <a:rPr lang="en-US" altLang="zh-TW" sz="6400" b="1" dirty="0">
+              <a:t>   </a:t>
+            </a:r>
+            <a:r>
+              <a:rPr lang="zh-TW" altLang="en-US" sz="6400" b="1" dirty="0">
                 <a:solidFill>
                   <a:srgbClr val="660033"/>
                 </a:solidFill>
                 <a:latin typeface="Microsoft JhengHei" panose="020B0604030504040204" pitchFamily="34" charset="-120"/>
                 <a:ea typeface="Microsoft JhengHei" panose="020B0604030504040204" pitchFamily="34" charset="-120"/>
               </a:rPr>
-              <a:t> </a:t>
-            </a:r>
-            <a:r>
-              <a:rPr lang="zh-TW" altLang="en-US" sz="6400" b="1" dirty="0">
-                <a:solidFill>
-                  <a:srgbClr val="660033"/>
-                </a:solidFill>
-                <a:latin typeface="Microsoft JhengHei" panose="020B0604030504040204" pitchFamily="34" charset="-120"/>
-                <a:ea typeface="Microsoft JhengHei" panose="020B0604030504040204" pitchFamily="34" charset="-120"/>
-              </a:rPr>
-              <a:t>勝</a:t>
-            </a:r>
-            <a:r>
-              <a:rPr lang="zh-TW" altLang="en-US" sz="6400" b="1" dirty="0">
-                <a:solidFill>
-                  <a:srgbClr val="660033"/>
-                </a:solidFill>
-                <a:latin typeface="Microsoft JhengHei" panose="020B0604030504040204" pitchFamily="34" charset="-120"/>
-                <a:ea typeface="Microsoft JhengHei" panose="020B0604030504040204" pitchFamily="34" charset="-120"/>
-              </a:rPr>
-              <a:t>過黑暗惡魔</a:t>
+              <a:t>勝過黑暗惡魔</a:t>
             </a:r>
             <a:endParaRPr lang="en-US" altLang="zh-TW" sz="6400" b="1" dirty="0">
               <a:solidFill>
@@ -4396,17 +4305,7 @@
                 <a:latin typeface="Microsoft JhengHei" panose="020B0604030504040204" pitchFamily="34" charset="-120"/>
                 <a:ea typeface="Microsoft JhengHei" panose="020B0604030504040204" pitchFamily="34" charset="-120"/>
               </a:rPr>
-              <a:t>主復活  主復</a:t>
-            </a:r>
-            <a:r>
-              <a:rPr lang="zh-TW" altLang="en-US" sz="6400" b="1" dirty="0">
-                <a:solidFill>
-                  <a:srgbClr val="660033"/>
-                </a:solidFill>
-                <a:latin typeface="Microsoft JhengHei" panose="020B0604030504040204" pitchFamily="34" charset="-120"/>
-                <a:ea typeface="Microsoft JhengHei" panose="020B0604030504040204" pitchFamily="34" charset="-120"/>
-              </a:rPr>
-              <a:t>活</a:t>
+              <a:t>主復活  主復活</a:t>
             </a:r>
             <a:endParaRPr lang="en-US" altLang="zh-TW" sz="6400" b="1" dirty="0">
               <a:solidFill>
@@ -4428,17 +4327,7 @@
                 <a:latin typeface="Microsoft JhengHei" panose="020B0604030504040204" pitchFamily="34" charset="-120"/>
                 <a:ea typeface="Microsoft JhengHei" panose="020B0604030504040204" pitchFamily="34" charset="-120"/>
               </a:rPr>
-              <a:t>哈</a:t>
-            </a:r>
-            <a:r>
-              <a:rPr lang="zh-TW" altLang="en-US" sz="6400" b="1" dirty="0">
-                <a:solidFill>
-                  <a:srgbClr val="660033"/>
-                </a:solidFill>
-                <a:latin typeface="Microsoft JhengHei" panose="020B0604030504040204" pitchFamily="34" charset="-120"/>
-                <a:ea typeface="Microsoft JhengHei" panose="020B0604030504040204" pitchFamily="34" charset="-120"/>
-              </a:rPr>
-              <a:t>利路亞  主復活</a:t>
+              <a:t>哈利路亞  主復活</a:t>
             </a:r>
           </a:p>
         </p:txBody>
@@ -4513,47 +4402,27 @@
                 <a:latin typeface="Microsoft JhengHei" panose="020B0604030504040204" pitchFamily="34" charset="-120"/>
                 <a:ea typeface="Microsoft JhengHei" panose="020B0604030504040204" pitchFamily="34" charset="-120"/>
               </a:rPr>
-              <a:t>兵丁守墓無</a:t>
-            </a:r>
-            <a:r>
-              <a:rPr lang="zh-TW" altLang="en-US" sz="6400" b="1" dirty="0">
+              <a:t>兵丁守墓無用</a:t>
+            </a:r>
+            <a:r>
+              <a:rPr lang="en-US" altLang="zh-TW" sz="6400" b="1" dirty="0">
                 <a:solidFill>
                   <a:srgbClr val="660033"/>
                 </a:solidFill>
                 <a:latin typeface="Microsoft JhengHei" panose="020B0604030504040204" pitchFamily="34" charset="-120"/>
                 <a:ea typeface="Microsoft JhengHei" panose="020B0604030504040204" pitchFamily="34" charset="-120"/>
               </a:rPr>
-              <a:t>用</a:t>
-            </a:r>
-            <a:r>
-              <a:rPr lang="en-US" altLang="zh-TW" sz="6400" b="1" dirty="0">
+              <a:t>   </a:t>
+            </a:r>
+            <a:r>
+              <a:rPr lang="zh-TW" altLang="en-US" sz="6400" b="1" dirty="0">
                 <a:solidFill>
                   <a:srgbClr val="660033"/>
                 </a:solidFill>
                 <a:latin typeface="Microsoft JhengHei" panose="020B0604030504040204" pitchFamily="34" charset="-120"/>
                 <a:ea typeface="Microsoft JhengHei" panose="020B0604030504040204" pitchFamily="34" charset="-120"/>
               </a:rPr>
-              <a:t>   </a:t>
-            </a:r>
-            <a:r>
-              <a:rPr lang="zh-TW" altLang="en-US" sz="6400" b="1" dirty="0">
-                <a:solidFill>
-                  <a:srgbClr val="660033"/>
-                </a:solidFill>
-                <a:latin typeface="Microsoft JhengHei" panose="020B0604030504040204" pitchFamily="34" charset="-120"/>
-                <a:ea typeface="Microsoft JhengHei" panose="020B0604030504040204" pitchFamily="34" charset="-120"/>
-              </a:rPr>
-              <a:t>耶</a:t>
-            </a:r>
-            <a:r>
-              <a:rPr lang="zh-TW" altLang="en-US" sz="6400" b="1" dirty="0">
-                <a:solidFill>
-                  <a:srgbClr val="660033"/>
-                </a:solidFill>
-                <a:latin typeface="Microsoft JhengHei" panose="020B0604030504040204" pitchFamily="34" charset="-120"/>
-                <a:ea typeface="Microsoft JhengHei" panose="020B0604030504040204" pitchFamily="34" charset="-120"/>
-              </a:rPr>
-              <a:t>穌我救主</a:t>
+              <a:t>耶穌我救主</a:t>
             </a:r>
             <a:endParaRPr lang="en-US" altLang="zh-TW" sz="6400" b="1" dirty="0">
               <a:solidFill>
@@ -4575,47 +4444,27 @@
                 <a:latin typeface="Microsoft JhengHei" panose="020B0604030504040204" pitchFamily="34" charset="-120"/>
                 <a:ea typeface="Microsoft JhengHei" panose="020B0604030504040204" pitchFamily="34" charset="-120"/>
               </a:rPr>
-              <a:t>封石也歸虛</a:t>
-            </a:r>
-            <a:r>
-              <a:rPr lang="zh-TW" altLang="en-US" sz="6400" b="1" dirty="0">
+              <a:t>封石也歸虛空</a:t>
+            </a:r>
+            <a:r>
+              <a:rPr lang="en-US" altLang="zh-TW" sz="6400" b="1" dirty="0">
                 <a:solidFill>
                   <a:srgbClr val="660033"/>
                 </a:solidFill>
                 <a:latin typeface="Microsoft JhengHei" panose="020B0604030504040204" pitchFamily="34" charset="-120"/>
                 <a:ea typeface="Microsoft JhengHei" panose="020B0604030504040204" pitchFamily="34" charset="-120"/>
               </a:rPr>
-              <a:t>空</a:t>
-            </a:r>
-            <a:r>
-              <a:rPr lang="en-US" altLang="zh-TW" sz="6400" b="1" dirty="0">
+              <a:t>   </a:t>
+            </a:r>
+            <a:r>
+              <a:rPr lang="zh-TW" altLang="en-US" sz="6400" b="1" dirty="0">
                 <a:solidFill>
                   <a:srgbClr val="660033"/>
                 </a:solidFill>
                 <a:latin typeface="Microsoft JhengHei" panose="020B0604030504040204" pitchFamily="34" charset="-120"/>
                 <a:ea typeface="Microsoft JhengHei" panose="020B0604030504040204" pitchFamily="34" charset="-120"/>
               </a:rPr>
-              <a:t>   </a:t>
-            </a:r>
-            <a:r>
-              <a:rPr lang="zh-TW" altLang="en-US" sz="6400" b="1" dirty="0">
-                <a:solidFill>
-                  <a:srgbClr val="660033"/>
-                </a:solidFill>
-                <a:latin typeface="Microsoft JhengHei" panose="020B0604030504040204" pitchFamily="34" charset="-120"/>
-                <a:ea typeface="Microsoft JhengHei" panose="020B0604030504040204" pitchFamily="34" charset="-120"/>
-              </a:rPr>
-              <a:t>耶</a:t>
-            </a:r>
-            <a:r>
-              <a:rPr lang="zh-TW" altLang="en-US" sz="6400" b="1" dirty="0">
-                <a:solidFill>
-                  <a:srgbClr val="660033"/>
-                </a:solidFill>
-                <a:latin typeface="Microsoft JhengHei" panose="020B0604030504040204" pitchFamily="34" charset="-120"/>
-                <a:ea typeface="Microsoft JhengHei" panose="020B0604030504040204" pitchFamily="34" charset="-120"/>
-              </a:rPr>
-              <a:t>穌我主</a:t>
+              <a:t>耶穌我主</a:t>
             </a:r>
           </a:p>
         </p:txBody>
@@ -4629,7 +4478,7 @@
         <p:spPr>
           <a:xfrm>
             <a:off x="0" y="5061182"/>
-            <a:ext cx="12192000" cy="830997"/>
+            <a:ext cx="12192000" cy="707886"/>
           </a:xfrm>
           <a:prstGeom prst="rect">
             <a:avLst/>
@@ -4644,7 +4493,7 @@
           <a:p>
             <a:pPr algn="ctr"/>
             <a:r>
-              <a:rPr lang="en-US" sz="4800" b="1" dirty="0">
+              <a:rPr lang="en-US" sz="4000" b="1" dirty="0">
                 <a:solidFill>
                   <a:srgbClr val="660033"/>
                 </a:solidFill>
@@ -4652,7 +4501,7 @@
               <a:t>( </a:t>
             </a:r>
             <a:r>
-              <a:rPr lang="en-US" sz="4800" b="1" dirty="0" smtClean="0">
+              <a:rPr lang="en-US" sz="4000" b="1" dirty="0">
                 <a:solidFill>
                   <a:srgbClr val="660033"/>
                 </a:solidFill>
@@ -4660,14 +4509,14 @@
               <a:t>2 </a:t>
             </a:r>
             <a:r>
-              <a:rPr lang="en-US" sz="4800" b="1" dirty="0">
-                <a:solidFill>
-                  <a:srgbClr val="660033"/>
-                </a:solidFill>
-              </a:rPr>
-              <a:t>)</a:t>
-            </a:r>
-            <a:endParaRPr lang="vi-VN" sz="4800" b="1" dirty="0">
+              <a:rPr lang="en-US" sz="4000" b="1" dirty="0">
+                <a:solidFill>
+                  <a:srgbClr val="660033"/>
+                </a:solidFill>
+              </a:rPr>
+              <a:t>/ 3 )</a:t>
+            </a:r>
+            <a:endParaRPr lang="vi-VN" sz="4000" b="1" dirty="0">
               <a:solidFill>
                 <a:srgbClr val="660033"/>
               </a:solidFill>
@@ -4859,37 +4708,17 @@
                 <a:latin typeface="Microsoft JhengHei" panose="020B0604030504040204" pitchFamily="34" charset="-120"/>
                 <a:ea typeface="Microsoft JhengHei" panose="020B0604030504040204" pitchFamily="34" charset="-120"/>
               </a:rPr>
-              <a:t>  </a:t>
-            </a:r>
-            <a:r>
-              <a:rPr lang="en-US" altLang="zh-TW" sz="6400" b="1" dirty="0">
+              <a:t>   </a:t>
+            </a:r>
+            <a:r>
+              <a:rPr lang="zh-TW" altLang="en-US" sz="6400" b="1" dirty="0">
                 <a:solidFill>
                   <a:srgbClr val="660033"/>
                 </a:solidFill>
                 <a:latin typeface="Microsoft JhengHei" panose="020B0604030504040204" pitchFamily="34" charset="-120"/>
                 <a:ea typeface="Microsoft JhengHei" panose="020B0604030504040204" pitchFamily="34" charset="-120"/>
               </a:rPr>
-              <a:t> </a:t>
-            </a:r>
-            <a:r>
-              <a:rPr lang="zh-TW" altLang="en-US" sz="6400" b="1" dirty="0">
-                <a:solidFill>
-                  <a:srgbClr val="660033"/>
-                </a:solidFill>
-                <a:latin typeface="Microsoft JhengHei" panose="020B0604030504040204" pitchFamily="34" charset="-120"/>
-                <a:ea typeface="Microsoft JhengHei" panose="020B0604030504040204" pitchFamily="34" charset="-120"/>
-              </a:rPr>
-              <a:t>勝</a:t>
-            </a:r>
-            <a:r>
-              <a:rPr lang="zh-TW" altLang="en-US" sz="6400" b="1" dirty="0">
-                <a:solidFill>
-                  <a:srgbClr val="660033"/>
-                </a:solidFill>
-                <a:latin typeface="Microsoft JhengHei" panose="020B0604030504040204" pitchFamily="34" charset="-120"/>
-                <a:ea typeface="Microsoft JhengHei" panose="020B0604030504040204" pitchFamily="34" charset="-120"/>
-              </a:rPr>
-              <a:t>過黑暗惡魔</a:t>
+              <a:t>勝過黑暗惡魔</a:t>
             </a:r>
             <a:endParaRPr lang="en-US" altLang="zh-TW" sz="6400" b="1" dirty="0">
               <a:solidFill>
@@ -4993,17 +4822,7 @@
                 <a:latin typeface="Microsoft JhengHei" panose="020B0604030504040204" pitchFamily="34" charset="-120"/>
                 <a:ea typeface="Microsoft JhengHei" panose="020B0604030504040204" pitchFamily="34" charset="-120"/>
               </a:rPr>
-              <a:t>主復活  主復</a:t>
-            </a:r>
-            <a:r>
-              <a:rPr lang="zh-TW" altLang="en-US" sz="6400" b="1" dirty="0">
-                <a:solidFill>
-                  <a:srgbClr val="660033"/>
-                </a:solidFill>
-                <a:latin typeface="Microsoft JhengHei" panose="020B0604030504040204" pitchFamily="34" charset="-120"/>
-                <a:ea typeface="Microsoft JhengHei" panose="020B0604030504040204" pitchFamily="34" charset="-120"/>
-              </a:rPr>
-              <a:t>活</a:t>
+              <a:t>主復活  主復活</a:t>
             </a:r>
             <a:endParaRPr lang="en-US" altLang="zh-TW" sz="6400" b="1" dirty="0">
               <a:solidFill>
@@ -5025,17 +4844,7 @@
                 <a:latin typeface="Microsoft JhengHei" panose="020B0604030504040204" pitchFamily="34" charset="-120"/>
                 <a:ea typeface="Microsoft JhengHei" panose="020B0604030504040204" pitchFamily="34" charset="-120"/>
               </a:rPr>
-              <a:t>哈</a:t>
-            </a:r>
-            <a:r>
-              <a:rPr lang="zh-TW" altLang="en-US" sz="6400" b="1" dirty="0">
-                <a:solidFill>
-                  <a:srgbClr val="660033"/>
-                </a:solidFill>
-                <a:latin typeface="Microsoft JhengHei" panose="020B0604030504040204" pitchFamily="34" charset="-120"/>
-                <a:ea typeface="Microsoft JhengHei" panose="020B0604030504040204" pitchFamily="34" charset="-120"/>
-              </a:rPr>
-              <a:t>利路亞  主復活</a:t>
+              <a:t>哈利路亞  主復活</a:t>
             </a:r>
           </a:p>
         </p:txBody>
